--- a/data_project_soakk.pptx
+++ b/data_project_soakk.pptx
@@ -5,22 +5,23 @@
     <p:sldMasterId id="2147483668" r:id="rId1"/>
   </p:sldMasterIdLst>
   <p:notesMasterIdLst>
-    <p:notesMasterId r:id="rId15"/>
+    <p:notesMasterId r:id="rId16"/>
   </p:notesMasterIdLst>
   <p:sldIdLst>
     <p:sldId id="256" r:id="rId2"/>
-    <p:sldId id="257" r:id="rId3"/>
-    <p:sldId id="259" r:id="rId4"/>
-    <p:sldId id="258" r:id="rId5"/>
-    <p:sldId id="260" r:id="rId6"/>
-    <p:sldId id="261" r:id="rId7"/>
-    <p:sldId id="262" r:id="rId8"/>
-    <p:sldId id="263" r:id="rId9"/>
-    <p:sldId id="264" r:id="rId10"/>
-    <p:sldId id="265" r:id="rId11"/>
-    <p:sldId id="266" r:id="rId12"/>
-    <p:sldId id="268" r:id="rId13"/>
-    <p:sldId id="267" r:id="rId14"/>
+    <p:sldId id="269" r:id="rId3"/>
+    <p:sldId id="257" r:id="rId4"/>
+    <p:sldId id="259" r:id="rId5"/>
+    <p:sldId id="258" r:id="rId6"/>
+    <p:sldId id="260" r:id="rId7"/>
+    <p:sldId id="261" r:id="rId8"/>
+    <p:sldId id="262" r:id="rId9"/>
+    <p:sldId id="263" r:id="rId10"/>
+    <p:sldId id="264" r:id="rId11"/>
+    <p:sldId id="265" r:id="rId12"/>
+    <p:sldId id="266" r:id="rId13"/>
+    <p:sldId id="268" r:id="rId14"/>
+    <p:sldId id="267" r:id="rId15"/>
   </p:sldIdLst>
   <p:sldSz cx="12192000" cy="6858000"/>
   <p:notesSz cx="6858000" cy="9144000"/>
@@ -125,2071 +126,6 @@
     </p:ext>
   </p:extLst>
 </p:presentation>
-</file>
-
-<file path=ppt/charts/chart1.xml><?xml version="1.0" encoding="utf-8"?>
-<c:chartSpace xmlns:c="http://schemas.openxmlformats.org/drawingml/2006/chart" xmlns:a="http://schemas.openxmlformats.org/drawingml/2006/main" xmlns:r="http://schemas.openxmlformats.org/officeDocument/2006/relationships" xmlns:c16r2="http://schemas.microsoft.com/office/drawing/2015/06/chart">
-  <c:date1904 val="0"/>
-  <c:lang val="en-US"/>
-  <c:roundedCorners val="0"/>
-  <mc:AlternateContent xmlns:mc="http://schemas.openxmlformats.org/markup-compatibility/2006">
-    <mc:Choice xmlns:c14="http://schemas.microsoft.com/office/drawing/2007/8/2/chart" Requires="c14">
-      <c14:style val="102"/>
-    </mc:Choice>
-    <mc:Fallback>
-      <c:style val="2"/>
-    </mc:Fallback>
-  </mc:AlternateContent>
-  <c:chart>
-    <c:title>
-      <c:tx>
-        <c:rich>
-          <a:bodyPr rot="0" spcFirstLastPara="1" vertOverflow="ellipsis" vert="horz" wrap="square" anchor="ctr" anchorCtr="1"/>
-          <a:lstStyle/>
-          <a:p>
-            <a:pPr>
-              <a:defRPr sz="1400" b="0" i="0" u="none" strike="noStrike" kern="1200" spc="0" baseline="0">
-                <a:solidFill>
-                  <a:schemeClr val="tx1">
-                    <a:lumMod val="65000"/>
-                    <a:lumOff val="35000"/>
-                  </a:schemeClr>
-                </a:solidFill>
-                <a:latin typeface="+mn-lt"/>
-                <a:ea typeface="+mn-ea"/>
-                <a:cs typeface="+mn-cs"/>
-              </a:defRPr>
-            </a:pPr>
-            <a:r>
-              <a:rPr lang="en-US"/>
-              <a:t>Google</a:t>
-            </a:r>
-            <a:r>
-              <a:rPr lang="en-US" baseline="0"/>
-              <a:t> Trends Referring to "Sentiment Analysis"</a:t>
-            </a:r>
-            <a:endParaRPr lang="en-US"/>
-          </a:p>
-        </c:rich>
-      </c:tx>
-      <c:overlay val="0"/>
-      <c:spPr>
-        <a:noFill/>
-        <a:ln>
-          <a:noFill/>
-        </a:ln>
-        <a:effectLst/>
-      </c:spPr>
-      <c:txPr>
-        <a:bodyPr rot="0" spcFirstLastPara="1" vertOverflow="ellipsis" vert="horz" wrap="square" anchor="ctr" anchorCtr="1"/>
-        <a:lstStyle/>
-        <a:p>
-          <a:pPr>
-            <a:defRPr sz="1400" b="0" i="0" u="none" strike="noStrike" kern="1200" spc="0" baseline="0">
-              <a:solidFill>
-                <a:schemeClr val="tx1">
-                  <a:lumMod val="65000"/>
-                  <a:lumOff val="35000"/>
-                </a:schemeClr>
-              </a:solidFill>
-              <a:latin typeface="+mn-lt"/>
-              <a:ea typeface="+mn-ea"/>
-              <a:cs typeface="+mn-cs"/>
-            </a:defRPr>
-          </a:pPr>
-          <a:endParaRPr lang="en-US"/>
-        </a:p>
-      </c:txPr>
-    </c:title>
-    <c:autoTitleDeleted val="0"/>
-    <c:plotArea>
-      <c:layout/>
-      <c:lineChart>
-        <c:grouping val="standard"/>
-        <c:varyColors val="0"/>
-        <c:ser>
-          <c:idx val="0"/>
-          <c:order val="0"/>
-          <c:tx>
-            <c:v>sentiment analysis</c:v>
-          </c:tx>
-          <c:spPr>
-            <a:ln w="28575" cap="rnd">
-              <a:solidFill>
-                <a:schemeClr val="accent1"/>
-              </a:solidFill>
-              <a:round/>
-            </a:ln>
-            <a:effectLst/>
-          </c:spPr>
-          <c:marker>
-            <c:symbol val="none"/>
-          </c:marker>
-          <c:cat>
-            <c:strRef>
-              <c:f>multiTimeline!$A$118:$A$173</c:f>
-              <c:strCache>
-                <c:ptCount val="56"/>
-                <c:pt idx="0">
-                  <c:v>2013-08</c:v>
-                </c:pt>
-                <c:pt idx="1">
-                  <c:v>2013-09</c:v>
-                </c:pt>
-                <c:pt idx="2">
-                  <c:v>2013-10</c:v>
-                </c:pt>
-                <c:pt idx="3">
-                  <c:v>2013-11</c:v>
-                </c:pt>
-                <c:pt idx="4">
-                  <c:v>2013-12</c:v>
-                </c:pt>
-                <c:pt idx="5">
-                  <c:v>2014-01</c:v>
-                </c:pt>
-                <c:pt idx="6">
-                  <c:v>2014-02</c:v>
-                </c:pt>
-                <c:pt idx="7">
-                  <c:v>2014-03</c:v>
-                </c:pt>
-                <c:pt idx="8">
-                  <c:v>2014-04</c:v>
-                </c:pt>
-                <c:pt idx="9">
-                  <c:v>2014-05</c:v>
-                </c:pt>
-                <c:pt idx="10">
-                  <c:v>2014-06</c:v>
-                </c:pt>
-                <c:pt idx="11">
-                  <c:v>2014-07</c:v>
-                </c:pt>
-                <c:pt idx="12">
-                  <c:v>2014-08</c:v>
-                </c:pt>
-                <c:pt idx="13">
-                  <c:v>2014-09</c:v>
-                </c:pt>
-                <c:pt idx="14">
-                  <c:v>2014-10</c:v>
-                </c:pt>
-                <c:pt idx="15">
-                  <c:v>2014-11</c:v>
-                </c:pt>
-                <c:pt idx="16">
-                  <c:v>2014-12</c:v>
-                </c:pt>
-                <c:pt idx="17">
-                  <c:v>2015-01</c:v>
-                </c:pt>
-                <c:pt idx="18">
-                  <c:v>2015-02</c:v>
-                </c:pt>
-                <c:pt idx="19">
-                  <c:v>2015-03</c:v>
-                </c:pt>
-                <c:pt idx="20">
-                  <c:v>2015-04</c:v>
-                </c:pt>
-                <c:pt idx="21">
-                  <c:v>2015-05</c:v>
-                </c:pt>
-                <c:pt idx="22">
-                  <c:v>2015-06</c:v>
-                </c:pt>
-                <c:pt idx="23">
-                  <c:v>2015-07</c:v>
-                </c:pt>
-                <c:pt idx="24">
-                  <c:v>2015-08</c:v>
-                </c:pt>
-                <c:pt idx="25">
-                  <c:v>2015-09</c:v>
-                </c:pt>
-                <c:pt idx="26">
-                  <c:v>2015-10</c:v>
-                </c:pt>
-                <c:pt idx="27">
-                  <c:v>2015-11</c:v>
-                </c:pt>
-                <c:pt idx="28">
-                  <c:v>2015-12</c:v>
-                </c:pt>
-                <c:pt idx="29">
-                  <c:v>2016-01</c:v>
-                </c:pt>
-                <c:pt idx="30">
-                  <c:v>2016-02</c:v>
-                </c:pt>
-                <c:pt idx="31">
-                  <c:v>2016-03</c:v>
-                </c:pt>
-                <c:pt idx="32">
-                  <c:v>2016-04</c:v>
-                </c:pt>
-                <c:pt idx="33">
-                  <c:v>2016-05</c:v>
-                </c:pt>
-                <c:pt idx="34">
-                  <c:v>2016-06</c:v>
-                </c:pt>
-                <c:pt idx="35">
-                  <c:v>2016-07</c:v>
-                </c:pt>
-                <c:pt idx="36">
-                  <c:v>2016-08</c:v>
-                </c:pt>
-                <c:pt idx="37">
-                  <c:v>2016-09</c:v>
-                </c:pt>
-                <c:pt idx="38">
-                  <c:v>2016-10</c:v>
-                </c:pt>
-                <c:pt idx="39">
-                  <c:v>2016-11</c:v>
-                </c:pt>
-                <c:pt idx="40">
-                  <c:v>2016-12</c:v>
-                </c:pt>
-                <c:pt idx="41">
-                  <c:v>2017-01</c:v>
-                </c:pt>
-                <c:pt idx="42">
-                  <c:v>2017-02</c:v>
-                </c:pt>
-                <c:pt idx="43">
-                  <c:v>2017-03</c:v>
-                </c:pt>
-                <c:pt idx="44">
-                  <c:v>2017-04</c:v>
-                </c:pt>
-                <c:pt idx="45">
-                  <c:v>2017-05</c:v>
-                </c:pt>
-                <c:pt idx="46">
-                  <c:v>2017-06</c:v>
-                </c:pt>
-                <c:pt idx="47">
-                  <c:v>2017-07</c:v>
-                </c:pt>
-                <c:pt idx="48">
-                  <c:v>2017-08</c:v>
-                </c:pt>
-                <c:pt idx="49">
-                  <c:v>2017-09</c:v>
-                </c:pt>
-                <c:pt idx="50">
-                  <c:v>2017-10</c:v>
-                </c:pt>
-                <c:pt idx="51">
-                  <c:v>2017-11</c:v>
-                </c:pt>
-                <c:pt idx="52">
-                  <c:v>2017-12</c:v>
-                </c:pt>
-                <c:pt idx="53">
-                  <c:v>2018-01</c:v>
-                </c:pt>
-                <c:pt idx="54">
-                  <c:v>2018-02</c:v>
-                </c:pt>
-                <c:pt idx="55">
-                  <c:v>2018-03</c:v>
-                </c:pt>
-              </c:strCache>
-            </c:strRef>
-          </c:cat>
-          <c:val>
-            <c:numRef>
-              <c:f>multiTimeline!$B$118:$B$173</c:f>
-              <c:numCache>
-                <c:formatCode>General</c:formatCode>
-                <c:ptCount val="56"/>
-                <c:pt idx="0">
-                  <c:v>28</c:v>
-                </c:pt>
-                <c:pt idx="1">
-                  <c:v>36</c:v>
-                </c:pt>
-                <c:pt idx="2">
-                  <c:v>38</c:v>
-                </c:pt>
-                <c:pt idx="3">
-                  <c:v>42</c:v>
-                </c:pt>
-                <c:pt idx="4">
-                  <c:v>36</c:v>
-                </c:pt>
-                <c:pt idx="5">
-                  <c:v>40</c:v>
-                </c:pt>
-                <c:pt idx="6">
-                  <c:v>41</c:v>
-                </c:pt>
-                <c:pt idx="7">
-                  <c:v>49</c:v>
-                </c:pt>
-                <c:pt idx="8">
-                  <c:v>45</c:v>
-                </c:pt>
-                <c:pt idx="9">
-                  <c:v>43</c:v>
-                </c:pt>
-                <c:pt idx="10">
-                  <c:v>45</c:v>
-                </c:pt>
-                <c:pt idx="11">
-                  <c:v>38</c:v>
-                </c:pt>
-                <c:pt idx="12">
-                  <c:v>45</c:v>
-                </c:pt>
-                <c:pt idx="13">
-                  <c:v>51</c:v>
-                </c:pt>
-                <c:pt idx="14">
-                  <c:v>48</c:v>
-                </c:pt>
-                <c:pt idx="15">
-                  <c:v>48</c:v>
-                </c:pt>
-                <c:pt idx="16">
-                  <c:v>43</c:v>
-                </c:pt>
-                <c:pt idx="17">
-                  <c:v>49</c:v>
-                </c:pt>
-                <c:pt idx="18">
-                  <c:v>57</c:v>
-                </c:pt>
-                <c:pt idx="19">
-                  <c:v>62</c:v>
-                </c:pt>
-                <c:pt idx="20">
-                  <c:v>56</c:v>
-                </c:pt>
-                <c:pt idx="21">
-                  <c:v>53</c:v>
-                </c:pt>
-                <c:pt idx="22">
-                  <c:v>45</c:v>
-                </c:pt>
-                <c:pt idx="23">
-                  <c:v>43</c:v>
-                </c:pt>
-                <c:pt idx="24">
-                  <c:v>45</c:v>
-                </c:pt>
-                <c:pt idx="25">
-                  <c:v>54</c:v>
-                </c:pt>
-                <c:pt idx="26">
-                  <c:v>59</c:v>
-                </c:pt>
-                <c:pt idx="27">
-                  <c:v>56</c:v>
-                </c:pt>
-                <c:pt idx="28">
-                  <c:v>53</c:v>
-                </c:pt>
-                <c:pt idx="29">
-                  <c:v>51</c:v>
-                </c:pt>
-                <c:pt idx="30">
-                  <c:v>56</c:v>
-                </c:pt>
-                <c:pt idx="31">
-                  <c:v>70</c:v>
-                </c:pt>
-                <c:pt idx="32">
-                  <c:v>74</c:v>
-                </c:pt>
-                <c:pt idx="33">
-                  <c:v>62</c:v>
-                </c:pt>
-                <c:pt idx="34">
-                  <c:v>53</c:v>
-                </c:pt>
-                <c:pt idx="35">
-                  <c:v>53</c:v>
-                </c:pt>
-                <c:pt idx="36">
-                  <c:v>54</c:v>
-                </c:pt>
-                <c:pt idx="37">
-                  <c:v>59</c:v>
-                </c:pt>
-                <c:pt idx="38">
-                  <c:v>69</c:v>
-                </c:pt>
-                <c:pt idx="39">
-                  <c:v>76</c:v>
-                </c:pt>
-                <c:pt idx="40">
-                  <c:v>73</c:v>
-                </c:pt>
-                <c:pt idx="41">
-                  <c:v>69</c:v>
-                </c:pt>
-                <c:pt idx="42">
-                  <c:v>88</c:v>
-                </c:pt>
-                <c:pt idx="43">
-                  <c:v>96</c:v>
-                </c:pt>
-                <c:pt idx="44">
-                  <c:v>99</c:v>
-                </c:pt>
-                <c:pt idx="45">
-                  <c:v>94</c:v>
-                </c:pt>
-                <c:pt idx="46">
-                  <c:v>83</c:v>
-                </c:pt>
-                <c:pt idx="47">
-                  <c:v>75</c:v>
-                </c:pt>
-                <c:pt idx="48">
-                  <c:v>78</c:v>
-                </c:pt>
-                <c:pt idx="49">
-                  <c:v>77</c:v>
-                </c:pt>
-                <c:pt idx="50">
-                  <c:v>94</c:v>
-                </c:pt>
-                <c:pt idx="51">
-                  <c:v>98</c:v>
-                </c:pt>
-                <c:pt idx="52">
-                  <c:v>89</c:v>
-                </c:pt>
-                <c:pt idx="53">
-                  <c:v>89</c:v>
-                </c:pt>
-                <c:pt idx="54">
-                  <c:v>97</c:v>
-                </c:pt>
-                <c:pt idx="55">
-                  <c:v>100</c:v>
-                </c:pt>
-              </c:numCache>
-            </c:numRef>
-          </c:val>
-          <c:smooth val="0"/>
-          <c:extLst>
-            <c:ext xmlns:c16="http://schemas.microsoft.com/office/drawing/2014/chart" uri="{C3380CC4-5D6E-409C-BE32-E72D297353CC}">
-              <c16:uniqueId val="{00000000-B19E-EB4B-8A9A-88FBB1770E8F}"/>
-            </c:ext>
-          </c:extLst>
-        </c:ser>
-        <c:ser>
-          <c:idx val="1"/>
-          <c:order val="1"/>
-          <c:tx>
-            <c:v>twitter sentiment analysis</c:v>
-          </c:tx>
-          <c:spPr>
-            <a:ln w="28575" cap="rnd">
-              <a:solidFill>
-                <a:schemeClr val="accent2"/>
-              </a:solidFill>
-              <a:round/>
-            </a:ln>
-            <a:effectLst/>
-          </c:spPr>
-          <c:marker>
-            <c:symbol val="none"/>
-          </c:marker>
-          <c:cat>
-            <c:strRef>
-              <c:f>multiTimeline!$A$118:$A$173</c:f>
-              <c:strCache>
-                <c:ptCount val="56"/>
-                <c:pt idx="0">
-                  <c:v>2013-08</c:v>
-                </c:pt>
-                <c:pt idx="1">
-                  <c:v>2013-09</c:v>
-                </c:pt>
-                <c:pt idx="2">
-                  <c:v>2013-10</c:v>
-                </c:pt>
-                <c:pt idx="3">
-                  <c:v>2013-11</c:v>
-                </c:pt>
-                <c:pt idx="4">
-                  <c:v>2013-12</c:v>
-                </c:pt>
-                <c:pt idx="5">
-                  <c:v>2014-01</c:v>
-                </c:pt>
-                <c:pt idx="6">
-                  <c:v>2014-02</c:v>
-                </c:pt>
-                <c:pt idx="7">
-                  <c:v>2014-03</c:v>
-                </c:pt>
-                <c:pt idx="8">
-                  <c:v>2014-04</c:v>
-                </c:pt>
-                <c:pt idx="9">
-                  <c:v>2014-05</c:v>
-                </c:pt>
-                <c:pt idx="10">
-                  <c:v>2014-06</c:v>
-                </c:pt>
-                <c:pt idx="11">
-                  <c:v>2014-07</c:v>
-                </c:pt>
-                <c:pt idx="12">
-                  <c:v>2014-08</c:v>
-                </c:pt>
-                <c:pt idx="13">
-                  <c:v>2014-09</c:v>
-                </c:pt>
-                <c:pt idx="14">
-                  <c:v>2014-10</c:v>
-                </c:pt>
-                <c:pt idx="15">
-                  <c:v>2014-11</c:v>
-                </c:pt>
-                <c:pt idx="16">
-                  <c:v>2014-12</c:v>
-                </c:pt>
-                <c:pt idx="17">
-                  <c:v>2015-01</c:v>
-                </c:pt>
-                <c:pt idx="18">
-                  <c:v>2015-02</c:v>
-                </c:pt>
-                <c:pt idx="19">
-                  <c:v>2015-03</c:v>
-                </c:pt>
-                <c:pt idx="20">
-                  <c:v>2015-04</c:v>
-                </c:pt>
-                <c:pt idx="21">
-                  <c:v>2015-05</c:v>
-                </c:pt>
-                <c:pt idx="22">
-                  <c:v>2015-06</c:v>
-                </c:pt>
-                <c:pt idx="23">
-                  <c:v>2015-07</c:v>
-                </c:pt>
-                <c:pt idx="24">
-                  <c:v>2015-08</c:v>
-                </c:pt>
-                <c:pt idx="25">
-                  <c:v>2015-09</c:v>
-                </c:pt>
-                <c:pt idx="26">
-                  <c:v>2015-10</c:v>
-                </c:pt>
-                <c:pt idx="27">
-                  <c:v>2015-11</c:v>
-                </c:pt>
-                <c:pt idx="28">
-                  <c:v>2015-12</c:v>
-                </c:pt>
-                <c:pt idx="29">
-                  <c:v>2016-01</c:v>
-                </c:pt>
-                <c:pt idx="30">
-                  <c:v>2016-02</c:v>
-                </c:pt>
-                <c:pt idx="31">
-                  <c:v>2016-03</c:v>
-                </c:pt>
-                <c:pt idx="32">
-                  <c:v>2016-04</c:v>
-                </c:pt>
-                <c:pt idx="33">
-                  <c:v>2016-05</c:v>
-                </c:pt>
-                <c:pt idx="34">
-                  <c:v>2016-06</c:v>
-                </c:pt>
-                <c:pt idx="35">
-                  <c:v>2016-07</c:v>
-                </c:pt>
-                <c:pt idx="36">
-                  <c:v>2016-08</c:v>
-                </c:pt>
-                <c:pt idx="37">
-                  <c:v>2016-09</c:v>
-                </c:pt>
-                <c:pt idx="38">
-                  <c:v>2016-10</c:v>
-                </c:pt>
-                <c:pt idx="39">
-                  <c:v>2016-11</c:v>
-                </c:pt>
-                <c:pt idx="40">
-                  <c:v>2016-12</c:v>
-                </c:pt>
-                <c:pt idx="41">
-                  <c:v>2017-01</c:v>
-                </c:pt>
-                <c:pt idx="42">
-                  <c:v>2017-02</c:v>
-                </c:pt>
-                <c:pt idx="43">
-                  <c:v>2017-03</c:v>
-                </c:pt>
-                <c:pt idx="44">
-                  <c:v>2017-04</c:v>
-                </c:pt>
-                <c:pt idx="45">
-                  <c:v>2017-05</c:v>
-                </c:pt>
-                <c:pt idx="46">
-                  <c:v>2017-06</c:v>
-                </c:pt>
-                <c:pt idx="47">
-                  <c:v>2017-07</c:v>
-                </c:pt>
-                <c:pt idx="48">
-                  <c:v>2017-08</c:v>
-                </c:pt>
-                <c:pt idx="49">
-                  <c:v>2017-09</c:v>
-                </c:pt>
-                <c:pt idx="50">
-                  <c:v>2017-10</c:v>
-                </c:pt>
-                <c:pt idx="51">
-                  <c:v>2017-11</c:v>
-                </c:pt>
-                <c:pt idx="52">
-                  <c:v>2017-12</c:v>
-                </c:pt>
-                <c:pt idx="53">
-                  <c:v>2018-01</c:v>
-                </c:pt>
-                <c:pt idx="54">
-                  <c:v>2018-02</c:v>
-                </c:pt>
-                <c:pt idx="55">
-                  <c:v>2018-03</c:v>
-                </c:pt>
-              </c:strCache>
-            </c:strRef>
-          </c:cat>
-          <c:val>
-            <c:numRef>
-              <c:f>multiTimeline!$C$118:$C$173</c:f>
-              <c:numCache>
-                <c:formatCode>General</c:formatCode>
-                <c:ptCount val="56"/>
-                <c:pt idx="0">
-                  <c:v>3</c:v>
-                </c:pt>
-                <c:pt idx="1">
-                  <c:v>3</c:v>
-                </c:pt>
-                <c:pt idx="2">
-                  <c:v>5</c:v>
-                </c:pt>
-                <c:pt idx="3">
-                  <c:v>5</c:v>
-                </c:pt>
-                <c:pt idx="4">
-                  <c:v>3</c:v>
-                </c:pt>
-                <c:pt idx="5">
-                  <c:v>7</c:v>
-                </c:pt>
-                <c:pt idx="6">
-                  <c:v>6</c:v>
-                </c:pt>
-                <c:pt idx="7">
-                  <c:v>5</c:v>
-                </c:pt>
-                <c:pt idx="8">
-                  <c:v>5</c:v>
-                </c:pt>
-                <c:pt idx="9">
-                  <c:v>6</c:v>
-                </c:pt>
-                <c:pt idx="10">
-                  <c:v>6</c:v>
-                </c:pt>
-                <c:pt idx="11">
-                  <c:v>4</c:v>
-                </c:pt>
-                <c:pt idx="12">
-                  <c:v>5</c:v>
-                </c:pt>
-                <c:pt idx="13">
-                  <c:v>8</c:v>
-                </c:pt>
-                <c:pt idx="14">
-                  <c:v>5</c:v>
-                </c:pt>
-                <c:pt idx="15">
-                  <c:v>6</c:v>
-                </c:pt>
-                <c:pt idx="16">
-                  <c:v>5</c:v>
-                </c:pt>
-                <c:pt idx="17">
-                  <c:v>7</c:v>
-                </c:pt>
-                <c:pt idx="18">
-                  <c:v>8</c:v>
-                </c:pt>
-                <c:pt idx="19">
-                  <c:v>8</c:v>
-                </c:pt>
-                <c:pt idx="20">
-                  <c:v>9</c:v>
-                </c:pt>
-                <c:pt idx="21">
-                  <c:v>6</c:v>
-                </c:pt>
-                <c:pt idx="22">
-                  <c:v>6</c:v>
-                </c:pt>
-                <c:pt idx="23">
-                  <c:v>7</c:v>
-                </c:pt>
-                <c:pt idx="24">
-                  <c:v>4</c:v>
-                </c:pt>
-                <c:pt idx="25">
-                  <c:v>6</c:v>
-                </c:pt>
-                <c:pt idx="26">
-                  <c:v>9</c:v>
-                </c:pt>
-                <c:pt idx="27">
-                  <c:v>6</c:v>
-                </c:pt>
-                <c:pt idx="28">
-                  <c:v>7</c:v>
-                </c:pt>
-                <c:pt idx="29">
-                  <c:v>6</c:v>
-                </c:pt>
-                <c:pt idx="30">
-                  <c:v>8</c:v>
-                </c:pt>
-                <c:pt idx="31">
-                  <c:v>9</c:v>
-                </c:pt>
-                <c:pt idx="32">
-                  <c:v>12</c:v>
-                </c:pt>
-                <c:pt idx="33">
-                  <c:v>12</c:v>
-                </c:pt>
-                <c:pt idx="34">
-                  <c:v>6</c:v>
-                </c:pt>
-                <c:pt idx="35">
-                  <c:v>6</c:v>
-                </c:pt>
-                <c:pt idx="36">
-                  <c:v>7</c:v>
-                </c:pt>
-                <c:pt idx="37">
-                  <c:v>8</c:v>
-                </c:pt>
-                <c:pt idx="38">
-                  <c:v>9</c:v>
-                </c:pt>
-                <c:pt idx="39">
-                  <c:v>8</c:v>
-                </c:pt>
-                <c:pt idx="40">
-                  <c:v>12</c:v>
-                </c:pt>
-                <c:pt idx="41">
-                  <c:v>11</c:v>
-                </c:pt>
-                <c:pt idx="42">
-                  <c:v>13</c:v>
-                </c:pt>
-                <c:pt idx="43">
-                  <c:v>15</c:v>
-                </c:pt>
-                <c:pt idx="44">
-                  <c:v>15</c:v>
-                </c:pt>
-                <c:pt idx="45">
-                  <c:v>13</c:v>
-                </c:pt>
-                <c:pt idx="46">
-                  <c:v>9</c:v>
-                </c:pt>
-                <c:pt idx="47">
-                  <c:v>8</c:v>
-                </c:pt>
-                <c:pt idx="48">
-                  <c:v>8</c:v>
-                </c:pt>
-                <c:pt idx="49">
-                  <c:v>10</c:v>
-                </c:pt>
-                <c:pt idx="50">
-                  <c:v>12</c:v>
-                </c:pt>
-                <c:pt idx="51">
-                  <c:v>12</c:v>
-                </c:pt>
-                <c:pt idx="52">
-                  <c:v>9</c:v>
-                </c:pt>
-                <c:pt idx="53">
-                  <c:v>10</c:v>
-                </c:pt>
-                <c:pt idx="54">
-                  <c:v>14</c:v>
-                </c:pt>
-                <c:pt idx="55">
-                  <c:v>10</c:v>
-                </c:pt>
-              </c:numCache>
-            </c:numRef>
-          </c:val>
-          <c:smooth val="0"/>
-          <c:extLst>
-            <c:ext xmlns:c16="http://schemas.microsoft.com/office/drawing/2014/chart" uri="{C3380CC4-5D6E-409C-BE32-E72D297353CC}">
-              <c16:uniqueId val="{00000001-B19E-EB4B-8A9A-88FBB1770E8F}"/>
-            </c:ext>
-          </c:extLst>
-        </c:ser>
-        <c:ser>
-          <c:idx val="2"/>
-          <c:order val="2"/>
-          <c:tx>
-            <c:v>python sentiment analysis</c:v>
-          </c:tx>
-          <c:spPr>
-            <a:ln w="28575" cap="rnd">
-              <a:solidFill>
-                <a:schemeClr val="accent3"/>
-              </a:solidFill>
-              <a:round/>
-            </a:ln>
-            <a:effectLst/>
-          </c:spPr>
-          <c:marker>
-            <c:symbol val="none"/>
-          </c:marker>
-          <c:cat>
-            <c:strRef>
-              <c:f>multiTimeline!$A$118:$A$173</c:f>
-              <c:strCache>
-                <c:ptCount val="56"/>
-                <c:pt idx="0">
-                  <c:v>2013-08</c:v>
-                </c:pt>
-                <c:pt idx="1">
-                  <c:v>2013-09</c:v>
-                </c:pt>
-                <c:pt idx="2">
-                  <c:v>2013-10</c:v>
-                </c:pt>
-                <c:pt idx="3">
-                  <c:v>2013-11</c:v>
-                </c:pt>
-                <c:pt idx="4">
-                  <c:v>2013-12</c:v>
-                </c:pt>
-                <c:pt idx="5">
-                  <c:v>2014-01</c:v>
-                </c:pt>
-                <c:pt idx="6">
-                  <c:v>2014-02</c:v>
-                </c:pt>
-                <c:pt idx="7">
-                  <c:v>2014-03</c:v>
-                </c:pt>
-                <c:pt idx="8">
-                  <c:v>2014-04</c:v>
-                </c:pt>
-                <c:pt idx="9">
-                  <c:v>2014-05</c:v>
-                </c:pt>
-                <c:pt idx="10">
-                  <c:v>2014-06</c:v>
-                </c:pt>
-                <c:pt idx="11">
-                  <c:v>2014-07</c:v>
-                </c:pt>
-                <c:pt idx="12">
-                  <c:v>2014-08</c:v>
-                </c:pt>
-                <c:pt idx="13">
-                  <c:v>2014-09</c:v>
-                </c:pt>
-                <c:pt idx="14">
-                  <c:v>2014-10</c:v>
-                </c:pt>
-                <c:pt idx="15">
-                  <c:v>2014-11</c:v>
-                </c:pt>
-                <c:pt idx="16">
-                  <c:v>2014-12</c:v>
-                </c:pt>
-                <c:pt idx="17">
-                  <c:v>2015-01</c:v>
-                </c:pt>
-                <c:pt idx="18">
-                  <c:v>2015-02</c:v>
-                </c:pt>
-                <c:pt idx="19">
-                  <c:v>2015-03</c:v>
-                </c:pt>
-                <c:pt idx="20">
-                  <c:v>2015-04</c:v>
-                </c:pt>
-                <c:pt idx="21">
-                  <c:v>2015-05</c:v>
-                </c:pt>
-                <c:pt idx="22">
-                  <c:v>2015-06</c:v>
-                </c:pt>
-                <c:pt idx="23">
-                  <c:v>2015-07</c:v>
-                </c:pt>
-                <c:pt idx="24">
-                  <c:v>2015-08</c:v>
-                </c:pt>
-                <c:pt idx="25">
-                  <c:v>2015-09</c:v>
-                </c:pt>
-                <c:pt idx="26">
-                  <c:v>2015-10</c:v>
-                </c:pt>
-                <c:pt idx="27">
-                  <c:v>2015-11</c:v>
-                </c:pt>
-                <c:pt idx="28">
-                  <c:v>2015-12</c:v>
-                </c:pt>
-                <c:pt idx="29">
-                  <c:v>2016-01</c:v>
-                </c:pt>
-                <c:pt idx="30">
-                  <c:v>2016-02</c:v>
-                </c:pt>
-                <c:pt idx="31">
-                  <c:v>2016-03</c:v>
-                </c:pt>
-                <c:pt idx="32">
-                  <c:v>2016-04</c:v>
-                </c:pt>
-                <c:pt idx="33">
-                  <c:v>2016-05</c:v>
-                </c:pt>
-                <c:pt idx="34">
-                  <c:v>2016-06</c:v>
-                </c:pt>
-                <c:pt idx="35">
-                  <c:v>2016-07</c:v>
-                </c:pt>
-                <c:pt idx="36">
-                  <c:v>2016-08</c:v>
-                </c:pt>
-                <c:pt idx="37">
-                  <c:v>2016-09</c:v>
-                </c:pt>
-                <c:pt idx="38">
-                  <c:v>2016-10</c:v>
-                </c:pt>
-                <c:pt idx="39">
-                  <c:v>2016-11</c:v>
-                </c:pt>
-                <c:pt idx="40">
-                  <c:v>2016-12</c:v>
-                </c:pt>
-                <c:pt idx="41">
-                  <c:v>2017-01</c:v>
-                </c:pt>
-                <c:pt idx="42">
-                  <c:v>2017-02</c:v>
-                </c:pt>
-                <c:pt idx="43">
-                  <c:v>2017-03</c:v>
-                </c:pt>
-                <c:pt idx="44">
-                  <c:v>2017-04</c:v>
-                </c:pt>
-                <c:pt idx="45">
-                  <c:v>2017-05</c:v>
-                </c:pt>
-                <c:pt idx="46">
-                  <c:v>2017-06</c:v>
-                </c:pt>
-                <c:pt idx="47">
-                  <c:v>2017-07</c:v>
-                </c:pt>
-                <c:pt idx="48">
-                  <c:v>2017-08</c:v>
-                </c:pt>
-                <c:pt idx="49">
-                  <c:v>2017-09</c:v>
-                </c:pt>
-                <c:pt idx="50">
-                  <c:v>2017-10</c:v>
-                </c:pt>
-                <c:pt idx="51">
-                  <c:v>2017-11</c:v>
-                </c:pt>
-                <c:pt idx="52">
-                  <c:v>2017-12</c:v>
-                </c:pt>
-                <c:pt idx="53">
-                  <c:v>2018-01</c:v>
-                </c:pt>
-                <c:pt idx="54">
-                  <c:v>2018-02</c:v>
-                </c:pt>
-                <c:pt idx="55">
-                  <c:v>2018-03</c:v>
-                </c:pt>
-              </c:strCache>
-            </c:strRef>
-          </c:cat>
-          <c:val>
-            <c:numRef>
-              <c:f>multiTimeline!$D$118:$D$173</c:f>
-              <c:numCache>
-                <c:formatCode>General</c:formatCode>
-                <c:ptCount val="56"/>
-                <c:pt idx="0">
-                  <c:v>1</c:v>
-                </c:pt>
-                <c:pt idx="1">
-                  <c:v>3</c:v>
-                </c:pt>
-                <c:pt idx="2">
-                  <c:v>1</c:v>
-                </c:pt>
-                <c:pt idx="3">
-                  <c:v>3</c:v>
-                </c:pt>
-                <c:pt idx="4">
-                  <c:v>2</c:v>
-                </c:pt>
-                <c:pt idx="5">
-                  <c:v>1</c:v>
-                </c:pt>
-                <c:pt idx="6">
-                  <c:v>2</c:v>
-                </c:pt>
-                <c:pt idx="7">
-                  <c:v>1</c:v>
-                </c:pt>
-                <c:pt idx="8">
-                  <c:v>2</c:v>
-                </c:pt>
-                <c:pt idx="9">
-                  <c:v>2</c:v>
-                </c:pt>
-                <c:pt idx="10">
-                  <c:v>2</c:v>
-                </c:pt>
-                <c:pt idx="11">
-                  <c:v>3</c:v>
-                </c:pt>
-                <c:pt idx="12">
-                  <c:v>3</c:v>
-                </c:pt>
-                <c:pt idx="13">
-                  <c:v>2</c:v>
-                </c:pt>
-                <c:pt idx="14">
-                  <c:v>3</c:v>
-                </c:pt>
-                <c:pt idx="15">
-                  <c:v>3</c:v>
-                </c:pt>
-                <c:pt idx="16">
-                  <c:v>4</c:v>
-                </c:pt>
-                <c:pt idx="17">
-                  <c:v>2</c:v>
-                </c:pt>
-                <c:pt idx="18">
-                  <c:v>2</c:v>
-                </c:pt>
-                <c:pt idx="19">
-                  <c:v>4</c:v>
-                </c:pt>
-                <c:pt idx="20">
-                  <c:v>4</c:v>
-                </c:pt>
-                <c:pt idx="21">
-                  <c:v>6</c:v>
-                </c:pt>
-                <c:pt idx="22">
-                  <c:v>3</c:v>
-                </c:pt>
-                <c:pt idx="23">
-                  <c:v>3</c:v>
-                </c:pt>
-                <c:pt idx="24">
-                  <c:v>1</c:v>
-                </c:pt>
-                <c:pt idx="25">
-                  <c:v>3</c:v>
-                </c:pt>
-                <c:pt idx="26">
-                  <c:v>3</c:v>
-                </c:pt>
-                <c:pt idx="27">
-                  <c:v>5</c:v>
-                </c:pt>
-                <c:pt idx="28">
-                  <c:v>3</c:v>
-                </c:pt>
-                <c:pt idx="29">
-                  <c:v>4</c:v>
-                </c:pt>
-                <c:pt idx="30">
-                  <c:v>5</c:v>
-                </c:pt>
-                <c:pt idx="31">
-                  <c:v>4</c:v>
-                </c:pt>
-                <c:pt idx="32">
-                  <c:v>7</c:v>
-                </c:pt>
-                <c:pt idx="33">
-                  <c:v>6</c:v>
-                </c:pt>
-                <c:pt idx="34">
-                  <c:v>4</c:v>
-                </c:pt>
-                <c:pt idx="35">
-                  <c:v>5</c:v>
-                </c:pt>
-                <c:pt idx="36">
-                  <c:v>6</c:v>
-                </c:pt>
-                <c:pt idx="37">
-                  <c:v>6</c:v>
-                </c:pt>
-                <c:pt idx="38">
-                  <c:v>8</c:v>
-                </c:pt>
-                <c:pt idx="39">
-                  <c:v>8</c:v>
-                </c:pt>
-                <c:pt idx="40">
-                  <c:v>7</c:v>
-                </c:pt>
-                <c:pt idx="41">
-                  <c:v>7</c:v>
-                </c:pt>
-                <c:pt idx="42">
-                  <c:v>9</c:v>
-                </c:pt>
-                <c:pt idx="43">
-                  <c:v>9</c:v>
-                </c:pt>
-                <c:pt idx="44">
-                  <c:v>13</c:v>
-                </c:pt>
-                <c:pt idx="45">
-                  <c:v>9</c:v>
-                </c:pt>
-                <c:pt idx="46">
-                  <c:v>9</c:v>
-                </c:pt>
-                <c:pt idx="47">
-                  <c:v>10</c:v>
-                </c:pt>
-                <c:pt idx="48">
-                  <c:v>10</c:v>
-                </c:pt>
-                <c:pt idx="49">
-                  <c:v>12</c:v>
-                </c:pt>
-                <c:pt idx="50">
-                  <c:v>11</c:v>
-                </c:pt>
-                <c:pt idx="51">
-                  <c:v>12</c:v>
-                </c:pt>
-                <c:pt idx="52">
-                  <c:v>11</c:v>
-                </c:pt>
-                <c:pt idx="53">
-                  <c:v>12</c:v>
-                </c:pt>
-                <c:pt idx="54">
-                  <c:v>16</c:v>
-                </c:pt>
-                <c:pt idx="55">
-                  <c:v>13</c:v>
-                </c:pt>
-              </c:numCache>
-            </c:numRef>
-          </c:val>
-          <c:smooth val="0"/>
-          <c:extLst>
-            <c:ext xmlns:c16="http://schemas.microsoft.com/office/drawing/2014/chart" uri="{C3380CC4-5D6E-409C-BE32-E72D297353CC}">
-              <c16:uniqueId val="{00000002-B19E-EB4B-8A9A-88FBB1770E8F}"/>
-            </c:ext>
-          </c:extLst>
-        </c:ser>
-        <c:dLbls>
-          <c:showLegendKey val="0"/>
-          <c:showVal val="0"/>
-          <c:showCatName val="0"/>
-          <c:showSerName val="0"/>
-          <c:showPercent val="0"/>
-          <c:showBubbleSize val="0"/>
-        </c:dLbls>
-        <c:smooth val="0"/>
-        <c:axId val="-1662795920"/>
-        <c:axId val="-1662792176"/>
-      </c:lineChart>
-      <c:catAx>
-        <c:axId val="-1662795920"/>
-        <c:scaling>
-          <c:orientation val="minMax"/>
-        </c:scaling>
-        <c:delete val="0"/>
-        <c:axPos val="b"/>
-        <c:title>
-          <c:tx>
-            <c:rich>
-              <a:bodyPr rot="0" spcFirstLastPara="1" vertOverflow="ellipsis" vert="horz" wrap="square" anchor="ctr" anchorCtr="1"/>
-              <a:lstStyle/>
-              <a:p>
-                <a:pPr>
-                  <a:defRPr sz="1000" b="0" i="0" u="none" strike="noStrike" kern="1200" baseline="0">
-                    <a:solidFill>
-                      <a:schemeClr val="tx1">
-                        <a:lumMod val="65000"/>
-                        <a:lumOff val="35000"/>
-                      </a:schemeClr>
-                    </a:solidFill>
-                    <a:latin typeface="+mn-lt"/>
-                    <a:ea typeface="+mn-ea"/>
-                    <a:cs typeface="+mn-cs"/>
-                  </a:defRPr>
-                </a:pPr>
-                <a:r>
-                  <a:rPr lang="en-US"/>
-                  <a:t>Date</a:t>
-                </a:r>
-              </a:p>
-            </c:rich>
-          </c:tx>
-          <c:overlay val="0"/>
-          <c:spPr>
-            <a:noFill/>
-            <a:ln>
-              <a:noFill/>
-            </a:ln>
-            <a:effectLst/>
-          </c:spPr>
-          <c:txPr>
-            <a:bodyPr rot="0" spcFirstLastPara="1" vertOverflow="ellipsis" vert="horz" wrap="square" anchor="ctr" anchorCtr="1"/>
-            <a:lstStyle/>
-            <a:p>
-              <a:pPr>
-                <a:defRPr sz="1000" b="0" i="0" u="none" strike="noStrike" kern="1200" baseline="0">
-                  <a:solidFill>
-                    <a:schemeClr val="tx1">
-                      <a:lumMod val="65000"/>
-                      <a:lumOff val="35000"/>
-                    </a:schemeClr>
-                  </a:solidFill>
-                  <a:latin typeface="+mn-lt"/>
-                  <a:ea typeface="+mn-ea"/>
-                  <a:cs typeface="+mn-cs"/>
-                </a:defRPr>
-              </a:pPr>
-              <a:endParaRPr lang="en-US"/>
-            </a:p>
-          </c:txPr>
-        </c:title>
-        <c:numFmt formatCode="General" sourceLinked="1"/>
-        <c:majorTickMark val="none"/>
-        <c:minorTickMark val="none"/>
-        <c:tickLblPos val="nextTo"/>
-        <c:spPr>
-          <a:noFill/>
-          <a:ln w="9525" cap="flat" cmpd="sng" algn="ctr">
-            <a:solidFill>
-              <a:schemeClr val="tx1">
-                <a:lumMod val="15000"/>
-                <a:lumOff val="85000"/>
-              </a:schemeClr>
-            </a:solidFill>
-            <a:round/>
-          </a:ln>
-          <a:effectLst/>
-        </c:spPr>
-        <c:txPr>
-          <a:bodyPr rot="-60000000" spcFirstLastPara="1" vertOverflow="ellipsis" vert="horz" wrap="square" anchor="ctr" anchorCtr="1"/>
-          <a:lstStyle/>
-          <a:p>
-            <a:pPr>
-              <a:defRPr sz="900" b="0" i="0" u="none" strike="noStrike" kern="1200" baseline="0">
-                <a:solidFill>
-                  <a:schemeClr val="tx1">
-                    <a:lumMod val="65000"/>
-                    <a:lumOff val="35000"/>
-                  </a:schemeClr>
-                </a:solidFill>
-                <a:latin typeface="+mn-lt"/>
-                <a:ea typeface="+mn-ea"/>
-                <a:cs typeface="+mn-cs"/>
-              </a:defRPr>
-            </a:pPr>
-            <a:endParaRPr lang="en-US"/>
-          </a:p>
-        </c:txPr>
-        <c:crossAx val="-1662792176"/>
-        <c:crosses val="autoZero"/>
-        <c:auto val="1"/>
-        <c:lblAlgn val="ctr"/>
-        <c:lblOffset val="100"/>
-        <c:noMultiLvlLbl val="0"/>
-      </c:catAx>
-      <c:valAx>
-        <c:axId val="-1662792176"/>
-        <c:scaling>
-          <c:orientation val="minMax"/>
-        </c:scaling>
-        <c:delete val="0"/>
-        <c:axPos val="l"/>
-        <c:majorGridlines>
-          <c:spPr>
-            <a:ln w="9525" cap="flat" cmpd="sng" algn="ctr">
-              <a:solidFill>
-                <a:schemeClr val="tx1">
-                  <a:lumMod val="15000"/>
-                  <a:lumOff val="85000"/>
-                </a:schemeClr>
-              </a:solidFill>
-              <a:round/>
-            </a:ln>
-            <a:effectLst/>
-          </c:spPr>
-        </c:majorGridlines>
-        <c:title>
-          <c:tx>
-            <c:rich>
-              <a:bodyPr rot="-5400000" spcFirstLastPara="1" vertOverflow="ellipsis" vert="horz" wrap="square" anchor="ctr" anchorCtr="1"/>
-              <a:lstStyle/>
-              <a:p>
-                <a:pPr>
-                  <a:defRPr sz="1000" b="0" i="0" u="none" strike="noStrike" kern="1200" baseline="0">
-                    <a:solidFill>
-                      <a:schemeClr val="tx1">
-                        <a:lumMod val="65000"/>
-                        <a:lumOff val="35000"/>
-                      </a:schemeClr>
-                    </a:solidFill>
-                    <a:latin typeface="+mn-lt"/>
-                    <a:ea typeface="+mn-ea"/>
-                    <a:cs typeface="+mn-cs"/>
-                  </a:defRPr>
-                </a:pPr>
-                <a:r>
-                  <a:rPr lang="en-US"/>
-                  <a:t>Trend</a:t>
-                </a:r>
-              </a:p>
-            </c:rich>
-          </c:tx>
-          <c:overlay val="0"/>
-          <c:spPr>
-            <a:noFill/>
-            <a:ln>
-              <a:noFill/>
-            </a:ln>
-            <a:effectLst/>
-          </c:spPr>
-          <c:txPr>
-            <a:bodyPr rot="-5400000" spcFirstLastPara="1" vertOverflow="ellipsis" vert="horz" wrap="square" anchor="ctr" anchorCtr="1"/>
-            <a:lstStyle/>
-            <a:p>
-              <a:pPr>
-                <a:defRPr sz="1000" b="0" i="0" u="none" strike="noStrike" kern="1200" baseline="0">
-                  <a:solidFill>
-                    <a:schemeClr val="tx1">
-                      <a:lumMod val="65000"/>
-                      <a:lumOff val="35000"/>
-                    </a:schemeClr>
-                  </a:solidFill>
-                  <a:latin typeface="+mn-lt"/>
-                  <a:ea typeface="+mn-ea"/>
-                  <a:cs typeface="+mn-cs"/>
-                </a:defRPr>
-              </a:pPr>
-              <a:endParaRPr lang="en-US"/>
-            </a:p>
-          </c:txPr>
-        </c:title>
-        <c:numFmt formatCode="General" sourceLinked="1"/>
-        <c:majorTickMark val="none"/>
-        <c:minorTickMark val="none"/>
-        <c:tickLblPos val="nextTo"/>
-        <c:spPr>
-          <a:noFill/>
-          <a:ln>
-            <a:noFill/>
-          </a:ln>
-          <a:effectLst/>
-        </c:spPr>
-        <c:txPr>
-          <a:bodyPr rot="-60000000" spcFirstLastPara="1" vertOverflow="ellipsis" vert="horz" wrap="square" anchor="ctr" anchorCtr="1"/>
-          <a:lstStyle/>
-          <a:p>
-            <a:pPr>
-              <a:defRPr sz="900" b="0" i="0" u="none" strike="noStrike" kern="1200" baseline="0">
-                <a:solidFill>
-                  <a:schemeClr val="tx1">
-                    <a:lumMod val="65000"/>
-                    <a:lumOff val="35000"/>
-                  </a:schemeClr>
-                </a:solidFill>
-                <a:latin typeface="+mn-lt"/>
-                <a:ea typeface="+mn-ea"/>
-                <a:cs typeface="+mn-cs"/>
-              </a:defRPr>
-            </a:pPr>
-            <a:endParaRPr lang="en-US"/>
-          </a:p>
-        </c:txPr>
-        <c:crossAx val="-1662795920"/>
-        <c:crosses val="autoZero"/>
-        <c:crossBetween val="between"/>
-      </c:valAx>
-      <c:spPr>
-        <a:noFill/>
-        <a:ln>
-          <a:noFill/>
-        </a:ln>
-        <a:effectLst/>
-      </c:spPr>
-    </c:plotArea>
-    <c:legend>
-      <c:legendPos val="r"/>
-      <c:overlay val="0"/>
-      <c:spPr>
-        <a:noFill/>
-        <a:ln>
-          <a:noFill/>
-        </a:ln>
-        <a:effectLst/>
-      </c:spPr>
-      <c:txPr>
-        <a:bodyPr rot="0" spcFirstLastPara="1" vertOverflow="ellipsis" vert="horz" wrap="square" anchor="ctr" anchorCtr="1"/>
-        <a:lstStyle/>
-        <a:p>
-          <a:pPr>
-            <a:defRPr sz="900" b="0" i="0" u="none" strike="noStrike" kern="1200" baseline="0">
-              <a:solidFill>
-                <a:schemeClr val="tx1">
-                  <a:lumMod val="65000"/>
-                  <a:lumOff val="35000"/>
-                </a:schemeClr>
-              </a:solidFill>
-              <a:latin typeface="+mn-lt"/>
-              <a:ea typeface="+mn-ea"/>
-              <a:cs typeface="+mn-cs"/>
-            </a:defRPr>
-          </a:pPr>
-          <a:endParaRPr lang="en-US"/>
-        </a:p>
-      </c:txPr>
-    </c:legend>
-    <c:plotVisOnly val="1"/>
-    <c:dispBlanksAs val="gap"/>
-    <c:showDLblsOverMax val="0"/>
-  </c:chart>
-  <c:spPr>
-    <a:noFill/>
-    <a:ln>
-      <a:noFill/>
-    </a:ln>
-    <a:effectLst/>
-  </c:spPr>
-  <c:txPr>
-    <a:bodyPr/>
-    <a:lstStyle/>
-    <a:p>
-      <a:pPr>
-        <a:defRPr/>
-      </a:pPr>
-      <a:endParaRPr lang="en-US"/>
-    </a:p>
-  </c:txPr>
-  <c:externalData r:id="rId3">
-    <c:autoUpdate val="0"/>
-  </c:externalData>
-</c:chartSpace>
-</file>
-
-<file path=ppt/charts/colors1.xml><?xml version="1.0" encoding="utf-8"?>
-<cs:colorStyle xmlns:cs="http://schemas.microsoft.com/office/drawing/2012/chartStyle" xmlns:a="http://schemas.openxmlformats.org/drawingml/2006/main" meth="cycle" id="10">
-  <a:schemeClr val="accent1"/>
-  <a:schemeClr val="accent2"/>
-  <a:schemeClr val="accent3"/>
-  <a:schemeClr val="accent4"/>
-  <a:schemeClr val="accent5"/>
-  <a:schemeClr val="accent6"/>
-  <cs:variation/>
-  <cs:variation>
-    <a:lumMod val="60000"/>
-  </cs:variation>
-  <cs:variation>
-    <a:lumMod val="80000"/>
-    <a:lumOff val="20000"/>
-  </cs:variation>
-  <cs:variation>
-    <a:lumMod val="80000"/>
-  </cs:variation>
-  <cs:variation>
-    <a:lumMod val="60000"/>
-    <a:lumOff val="40000"/>
-  </cs:variation>
-  <cs:variation>
-    <a:lumMod val="50000"/>
-  </cs:variation>
-  <cs:variation>
-    <a:lumMod val="70000"/>
-    <a:lumOff val="30000"/>
-  </cs:variation>
-  <cs:variation>
-    <a:lumMod val="70000"/>
-  </cs:variation>
-  <cs:variation>
-    <a:lumMod val="50000"/>
-    <a:lumOff val="50000"/>
-  </cs:variation>
-</cs:colorStyle>
-</file>
-
-<file path=ppt/charts/style1.xml><?xml version="1.0" encoding="utf-8"?>
-<cs:chartStyle xmlns:cs="http://schemas.microsoft.com/office/drawing/2012/chartStyle" xmlns:a="http://schemas.openxmlformats.org/drawingml/2006/main" id="227">
-  <cs:axisTitle>
-    <cs:lnRef idx="0"/>
-    <cs:fillRef idx="0"/>
-    <cs:effectRef idx="0"/>
-    <cs:fontRef idx="minor">
-      <a:schemeClr val="tx1">
-        <a:lumMod val="65000"/>
-        <a:lumOff val="35000"/>
-      </a:schemeClr>
-    </cs:fontRef>
-    <cs:defRPr sz="1000" kern="1200"/>
-  </cs:axisTitle>
-  <cs:categoryAxis>
-    <cs:lnRef idx="0"/>
-    <cs:fillRef idx="0"/>
-    <cs:effectRef idx="0"/>
-    <cs:fontRef idx="minor">
-      <a:schemeClr val="tx1">
-        <a:lumMod val="65000"/>
-        <a:lumOff val="35000"/>
-      </a:schemeClr>
-    </cs:fontRef>
-    <cs:spPr>
-      <a:ln w="9525" cap="flat" cmpd="sng" algn="ctr">
-        <a:solidFill>
-          <a:schemeClr val="tx1">
-            <a:lumMod val="15000"/>
-            <a:lumOff val="85000"/>
-          </a:schemeClr>
-        </a:solidFill>
-        <a:round/>
-      </a:ln>
-    </cs:spPr>
-    <cs:defRPr sz="900" kern="1200"/>
-  </cs:categoryAxis>
-  <cs:chartArea mods="allowNoFillOverride allowNoLineOverride">
-    <cs:lnRef idx="0"/>
-    <cs:fillRef idx="0"/>
-    <cs:effectRef idx="0"/>
-    <cs:fontRef idx="minor">
-      <a:schemeClr val="tx1"/>
-    </cs:fontRef>
-    <cs:spPr>
-      <a:solidFill>
-        <a:schemeClr val="bg1"/>
-      </a:solidFill>
-      <a:ln w="9525" cap="flat" cmpd="sng" algn="ctr">
-        <a:solidFill>
-          <a:schemeClr val="tx1">
-            <a:lumMod val="15000"/>
-            <a:lumOff val="85000"/>
-          </a:schemeClr>
-        </a:solidFill>
-        <a:round/>
-      </a:ln>
-    </cs:spPr>
-    <cs:defRPr sz="1000" kern="1200"/>
-  </cs:chartArea>
-  <cs:dataLabel>
-    <cs:lnRef idx="0"/>
-    <cs:fillRef idx="0"/>
-    <cs:effectRef idx="0"/>
-    <cs:fontRef idx="minor">
-      <a:schemeClr val="tx1">
-        <a:lumMod val="75000"/>
-        <a:lumOff val="25000"/>
-      </a:schemeClr>
-    </cs:fontRef>
-    <cs:defRPr sz="900" kern="1200"/>
-  </cs:dataLabel>
-  <cs:dataLabelCallout>
-    <cs:lnRef idx="0"/>
-    <cs:fillRef idx="0"/>
-    <cs:effectRef idx="0"/>
-    <cs:fontRef idx="minor">
-      <a:schemeClr val="dk1">
-        <a:lumMod val="65000"/>
-        <a:lumOff val="35000"/>
-      </a:schemeClr>
-    </cs:fontRef>
-    <cs:spPr>
-      <a:solidFill>
-        <a:schemeClr val="lt1"/>
-      </a:solidFill>
-      <a:ln>
-        <a:solidFill>
-          <a:schemeClr val="dk1">
-            <a:lumMod val="25000"/>
-            <a:lumOff val="75000"/>
-          </a:schemeClr>
-        </a:solidFill>
-      </a:ln>
-    </cs:spPr>
-    <cs:defRPr sz="900" kern="1200"/>
-    <cs:bodyPr rot="0" spcFirstLastPara="1" vertOverflow="clip" horzOverflow="clip" vert="horz" wrap="square" lIns="36576" tIns="18288" rIns="36576" bIns="18288" anchor="ctr" anchorCtr="1">
-      <a:spAutoFit/>
-    </cs:bodyPr>
-  </cs:dataLabelCallout>
-  <cs:dataPoint>
-    <cs:lnRef idx="0"/>
-    <cs:fillRef idx="1">
-      <cs:styleClr val="auto"/>
-    </cs:fillRef>
-    <cs:effectRef idx="0"/>
-    <cs:fontRef idx="minor">
-      <a:schemeClr val="tx1"/>
-    </cs:fontRef>
-    <cs:spPr>
-      <a:solidFill>
-        <a:schemeClr val="phClr"/>
-      </a:solidFill>
-    </cs:spPr>
-  </cs:dataPoint>
-  <cs:dataPoint3D>
-    <cs:lnRef idx="0"/>
-    <cs:fillRef idx="1">
-      <cs:styleClr val="auto"/>
-    </cs:fillRef>
-    <cs:effectRef idx="0"/>
-    <cs:fontRef idx="minor">
-      <a:schemeClr val="tx1"/>
-    </cs:fontRef>
-    <cs:spPr>
-      <a:solidFill>
-        <a:schemeClr val="phClr"/>
-      </a:solidFill>
-    </cs:spPr>
-  </cs:dataPoint3D>
-  <cs:dataPointLine>
-    <cs:lnRef idx="0">
-      <cs:styleClr val="auto"/>
-    </cs:lnRef>
-    <cs:fillRef idx="1"/>
-    <cs:effectRef idx="0"/>
-    <cs:fontRef idx="minor">
-      <a:schemeClr val="tx1"/>
-    </cs:fontRef>
-    <cs:spPr>
-      <a:ln w="28575" cap="rnd">
-        <a:solidFill>
-          <a:schemeClr val="phClr"/>
-        </a:solidFill>
-        <a:round/>
-      </a:ln>
-    </cs:spPr>
-  </cs:dataPointLine>
-  <cs:dataPointMarker>
-    <cs:lnRef idx="0">
-      <cs:styleClr val="auto"/>
-    </cs:lnRef>
-    <cs:fillRef idx="1">
-      <cs:styleClr val="auto"/>
-    </cs:fillRef>
-    <cs:effectRef idx="0"/>
-    <cs:fontRef idx="minor">
-      <a:schemeClr val="tx1"/>
-    </cs:fontRef>
-    <cs:spPr>
-      <a:solidFill>
-        <a:schemeClr val="phClr"/>
-      </a:solidFill>
-      <a:ln w="9525">
-        <a:solidFill>
-          <a:schemeClr val="phClr"/>
-        </a:solidFill>
-      </a:ln>
-    </cs:spPr>
-  </cs:dataPointMarker>
-  <cs:dataPointMarkerLayout symbol="circle" size="5"/>
-  <cs:dataPointWireframe>
-    <cs:lnRef idx="0">
-      <cs:styleClr val="auto"/>
-    </cs:lnRef>
-    <cs:fillRef idx="1"/>
-    <cs:effectRef idx="0"/>
-    <cs:fontRef idx="minor">
-      <a:schemeClr val="tx1"/>
-    </cs:fontRef>
-    <cs:spPr>
-      <a:ln w="9525" cap="rnd">
-        <a:solidFill>
-          <a:schemeClr val="phClr"/>
-        </a:solidFill>
-        <a:round/>
-      </a:ln>
-    </cs:spPr>
-  </cs:dataPointWireframe>
-  <cs:dataTable>
-    <cs:lnRef idx="0"/>
-    <cs:fillRef idx="0"/>
-    <cs:effectRef idx="0"/>
-    <cs:fontRef idx="minor">
-      <a:schemeClr val="tx1">
-        <a:lumMod val="65000"/>
-        <a:lumOff val="35000"/>
-      </a:schemeClr>
-    </cs:fontRef>
-    <cs:spPr>
-      <a:noFill/>
-      <a:ln w="9525" cap="flat" cmpd="sng" algn="ctr">
-        <a:solidFill>
-          <a:schemeClr val="tx1">
-            <a:lumMod val="15000"/>
-            <a:lumOff val="85000"/>
-          </a:schemeClr>
-        </a:solidFill>
-        <a:round/>
-      </a:ln>
-    </cs:spPr>
-    <cs:defRPr sz="900" kern="1200"/>
-  </cs:dataTable>
-  <cs:downBar>
-    <cs:lnRef idx="0"/>
-    <cs:fillRef idx="0"/>
-    <cs:effectRef idx="0"/>
-    <cs:fontRef idx="minor">
-      <a:schemeClr val="dk1"/>
-    </cs:fontRef>
-    <cs:spPr>
-      <a:solidFill>
-        <a:schemeClr val="dk1">
-          <a:lumMod val="65000"/>
-          <a:lumOff val="35000"/>
-        </a:schemeClr>
-      </a:solidFill>
-      <a:ln w="9525">
-        <a:solidFill>
-          <a:schemeClr val="tx1">
-            <a:lumMod val="65000"/>
-            <a:lumOff val="35000"/>
-          </a:schemeClr>
-        </a:solidFill>
-      </a:ln>
-    </cs:spPr>
-  </cs:downBar>
-  <cs:dropLine>
-    <cs:lnRef idx="0"/>
-    <cs:fillRef idx="0"/>
-    <cs:effectRef idx="0"/>
-    <cs:fontRef idx="minor">
-      <a:schemeClr val="tx1"/>
-    </cs:fontRef>
-    <cs:spPr>
-      <a:ln w="9525" cap="flat" cmpd="sng" algn="ctr">
-        <a:solidFill>
-          <a:schemeClr val="tx1">
-            <a:lumMod val="35000"/>
-            <a:lumOff val="65000"/>
-          </a:schemeClr>
-        </a:solidFill>
-        <a:round/>
-      </a:ln>
-    </cs:spPr>
-  </cs:dropLine>
-  <cs:errorBar>
-    <cs:lnRef idx="0"/>
-    <cs:fillRef idx="0"/>
-    <cs:effectRef idx="0"/>
-    <cs:fontRef idx="minor">
-      <a:schemeClr val="tx1"/>
-    </cs:fontRef>
-    <cs:spPr>
-      <a:ln w="9525" cap="flat" cmpd="sng" algn="ctr">
-        <a:solidFill>
-          <a:schemeClr val="tx1">
-            <a:lumMod val="65000"/>
-            <a:lumOff val="35000"/>
-          </a:schemeClr>
-        </a:solidFill>
-        <a:round/>
-      </a:ln>
-    </cs:spPr>
-  </cs:errorBar>
-  <cs:floor>
-    <cs:lnRef idx="0"/>
-    <cs:fillRef idx="0"/>
-    <cs:effectRef idx="0"/>
-    <cs:fontRef idx="minor">
-      <a:schemeClr val="tx1"/>
-    </cs:fontRef>
-    <cs:spPr>
-      <a:noFill/>
-      <a:ln>
-        <a:noFill/>
-      </a:ln>
-    </cs:spPr>
-  </cs:floor>
-  <cs:gridlineMajor>
-    <cs:lnRef idx="0"/>
-    <cs:fillRef idx="0"/>
-    <cs:effectRef idx="0"/>
-    <cs:fontRef idx="minor">
-      <a:schemeClr val="tx1"/>
-    </cs:fontRef>
-    <cs:spPr>
-      <a:ln w="9525" cap="flat" cmpd="sng" algn="ctr">
-        <a:solidFill>
-          <a:schemeClr val="tx1">
-            <a:lumMod val="15000"/>
-            <a:lumOff val="85000"/>
-          </a:schemeClr>
-        </a:solidFill>
-        <a:round/>
-      </a:ln>
-    </cs:spPr>
-  </cs:gridlineMajor>
-  <cs:gridlineMinor>
-    <cs:lnRef idx="0"/>
-    <cs:fillRef idx="0"/>
-    <cs:effectRef idx="0"/>
-    <cs:fontRef idx="minor">
-      <a:schemeClr val="tx1"/>
-    </cs:fontRef>
-    <cs:spPr>
-      <a:ln w="9525" cap="flat" cmpd="sng" algn="ctr">
-        <a:solidFill>
-          <a:schemeClr val="tx1">
-            <a:lumMod val="5000"/>
-            <a:lumOff val="95000"/>
-          </a:schemeClr>
-        </a:solidFill>
-        <a:round/>
-      </a:ln>
-    </cs:spPr>
-  </cs:gridlineMinor>
-  <cs:hiLoLine>
-    <cs:lnRef idx="0"/>
-    <cs:fillRef idx="0"/>
-    <cs:effectRef idx="0"/>
-    <cs:fontRef idx="minor">
-      <a:schemeClr val="tx1"/>
-    </cs:fontRef>
-    <cs:spPr>
-      <a:ln w="9525" cap="flat" cmpd="sng" algn="ctr">
-        <a:solidFill>
-          <a:schemeClr val="tx1">
-            <a:lumMod val="75000"/>
-            <a:lumOff val="25000"/>
-          </a:schemeClr>
-        </a:solidFill>
-        <a:round/>
-      </a:ln>
-    </cs:spPr>
-  </cs:hiLoLine>
-  <cs:leaderLine>
-    <cs:lnRef idx="0"/>
-    <cs:fillRef idx="0"/>
-    <cs:effectRef idx="0"/>
-    <cs:fontRef idx="minor">
-      <a:schemeClr val="tx1"/>
-    </cs:fontRef>
-    <cs:spPr>
-      <a:ln w="9525" cap="flat" cmpd="sng" algn="ctr">
-        <a:solidFill>
-          <a:schemeClr val="tx1">
-            <a:lumMod val="35000"/>
-            <a:lumOff val="65000"/>
-          </a:schemeClr>
-        </a:solidFill>
-        <a:round/>
-      </a:ln>
-    </cs:spPr>
-  </cs:leaderLine>
-  <cs:legend>
-    <cs:lnRef idx="0"/>
-    <cs:fillRef idx="0"/>
-    <cs:effectRef idx="0"/>
-    <cs:fontRef idx="minor">
-      <a:schemeClr val="tx1">
-        <a:lumMod val="65000"/>
-        <a:lumOff val="35000"/>
-      </a:schemeClr>
-    </cs:fontRef>
-    <cs:defRPr sz="900" kern="1200"/>
-  </cs:legend>
-  <cs:plotArea mods="allowNoFillOverride allowNoLineOverride">
-    <cs:lnRef idx="0"/>
-    <cs:fillRef idx="0"/>
-    <cs:effectRef idx="0"/>
-    <cs:fontRef idx="minor">
-      <a:schemeClr val="tx1"/>
-    </cs:fontRef>
-  </cs:plotArea>
-  <cs:plotArea3D mods="allowNoFillOverride allowNoLineOverride">
-    <cs:lnRef idx="0"/>
-    <cs:fillRef idx="0"/>
-    <cs:effectRef idx="0"/>
-    <cs:fontRef idx="minor">
-      <a:schemeClr val="tx1"/>
-    </cs:fontRef>
-  </cs:plotArea3D>
-  <cs:seriesAxis>
-    <cs:lnRef idx="0"/>
-    <cs:fillRef idx="0"/>
-    <cs:effectRef idx="0"/>
-    <cs:fontRef idx="minor">
-      <a:schemeClr val="tx1">
-        <a:lumMod val="65000"/>
-        <a:lumOff val="35000"/>
-      </a:schemeClr>
-    </cs:fontRef>
-    <cs:defRPr sz="900" kern="1200"/>
-  </cs:seriesAxis>
-  <cs:seriesLine>
-    <cs:lnRef idx="0"/>
-    <cs:fillRef idx="0"/>
-    <cs:effectRef idx="0"/>
-    <cs:fontRef idx="minor">
-      <a:schemeClr val="tx1"/>
-    </cs:fontRef>
-    <cs:spPr>
-      <a:ln w="9525" cap="flat" cmpd="sng" algn="ctr">
-        <a:solidFill>
-          <a:schemeClr val="tx1">
-            <a:lumMod val="35000"/>
-            <a:lumOff val="65000"/>
-          </a:schemeClr>
-        </a:solidFill>
-        <a:round/>
-      </a:ln>
-    </cs:spPr>
-  </cs:seriesLine>
-  <cs:title>
-    <cs:lnRef idx="0"/>
-    <cs:fillRef idx="0"/>
-    <cs:effectRef idx="0"/>
-    <cs:fontRef idx="minor">
-      <a:schemeClr val="tx1">
-        <a:lumMod val="65000"/>
-        <a:lumOff val="35000"/>
-      </a:schemeClr>
-    </cs:fontRef>
-    <cs:defRPr sz="1400" b="0" kern="1200" spc="0" baseline="0"/>
-  </cs:title>
-  <cs:trendline>
-    <cs:lnRef idx="0">
-      <cs:styleClr val="auto"/>
-    </cs:lnRef>
-    <cs:fillRef idx="0"/>
-    <cs:effectRef idx="0"/>
-    <cs:fontRef idx="minor">
-      <a:schemeClr val="tx1"/>
-    </cs:fontRef>
-    <cs:spPr>
-      <a:ln w="19050" cap="rnd">
-        <a:solidFill>
-          <a:schemeClr val="phClr"/>
-        </a:solidFill>
-        <a:prstDash val="sysDot"/>
-      </a:ln>
-    </cs:spPr>
-  </cs:trendline>
-  <cs:trendlineLabel>
-    <cs:lnRef idx="0"/>
-    <cs:fillRef idx="0"/>
-    <cs:effectRef idx="0"/>
-    <cs:fontRef idx="minor">
-      <a:schemeClr val="tx1">
-        <a:lumMod val="65000"/>
-        <a:lumOff val="35000"/>
-      </a:schemeClr>
-    </cs:fontRef>
-    <cs:defRPr sz="900" kern="1200"/>
-  </cs:trendlineLabel>
-  <cs:upBar>
-    <cs:lnRef idx="0"/>
-    <cs:fillRef idx="0"/>
-    <cs:effectRef idx="0"/>
-    <cs:fontRef idx="minor">
-      <a:schemeClr val="dk1"/>
-    </cs:fontRef>
-    <cs:spPr>
-      <a:solidFill>
-        <a:schemeClr val="lt1"/>
-      </a:solidFill>
-      <a:ln w="9525">
-        <a:solidFill>
-          <a:schemeClr val="tx1">
-            <a:lumMod val="15000"/>
-            <a:lumOff val="85000"/>
-          </a:schemeClr>
-        </a:solidFill>
-      </a:ln>
-    </cs:spPr>
-  </cs:upBar>
-  <cs:valueAxis>
-    <cs:lnRef idx="0"/>
-    <cs:fillRef idx="0"/>
-    <cs:effectRef idx="0"/>
-    <cs:fontRef idx="minor">
-      <a:schemeClr val="tx1">
-        <a:lumMod val="65000"/>
-        <a:lumOff val="35000"/>
-      </a:schemeClr>
-    </cs:fontRef>
-    <cs:defRPr sz="900" kern="1200"/>
-  </cs:valueAxis>
-  <cs:wall>
-    <cs:lnRef idx="0"/>
-    <cs:fillRef idx="0"/>
-    <cs:effectRef idx="0"/>
-    <cs:fontRef idx="minor">
-      <a:schemeClr val="tx1"/>
-    </cs:fontRef>
-    <cs:spPr>
-      <a:noFill/>
-      <a:ln>
-        <a:noFill/>
-      </a:ln>
-    </cs:spPr>
-  </cs:wall>
-</cs:chartStyle>
 </file>
 
 <file path=ppt/notesMasters/notesMaster1.xml><?xml version="1.0" encoding="utf-8"?>
@@ -2628,7 +564,7 @@
           <a:p>
             <a:fld id="{64A07E75-BA13-E042-9D18-AB317B6DF714}" type="slidenum">
               <a:rPr lang="en-US" smtClean="0"/>
-              <a:t>3</a:t>
+              <a:t>4</a:t>
             </a:fld>
             <a:endParaRPr lang="en-US"/>
           </a:p>
@@ -2751,7 +687,7 @@
           <a:p>
             <a:fld id="{64A07E75-BA13-E042-9D18-AB317B6DF714}" type="slidenum">
               <a:rPr lang="en-US" smtClean="0"/>
-              <a:t>5</a:t>
+              <a:t>6</a:t>
             </a:fld>
             <a:endParaRPr lang="en-US"/>
           </a:p>
@@ -2865,7 +801,7 @@
           <a:p>
             <a:fld id="{64A07E75-BA13-E042-9D18-AB317B6DF714}" type="slidenum">
               <a:rPr lang="en-US" smtClean="0"/>
-              <a:t>9</a:t>
+              <a:t>10</a:t>
             </a:fld>
             <a:endParaRPr lang="en-US"/>
           </a:p>
@@ -8675,7 +6611,15 @@
             </a:br>
             <a:r>
               <a:rPr lang="en-US" sz="2800" i="1" dirty="0"/>
-              <a:t>Price and Volume with Sentiments (Vader)</a:t>
+              <a:t>Price and Volume with Sentiments (</a:t>
+            </a:r>
+            <a:r>
+              <a:rPr lang="en-US" sz="2800" i="1" dirty="0" err="1"/>
+              <a:t>TextBlob</a:t>
+            </a:r>
+            <a:r>
+              <a:rPr lang="en-US" sz="2800" i="1" dirty="0"/>
+              <a:t>)</a:t>
             </a:r>
             <a:endParaRPr lang="en-US" sz="2800" dirty="0"/>
           </a:p>
@@ -8683,37 +6627,7 @@
       </p:sp>
       <p:pic>
         <p:nvPicPr>
-          <p:cNvPr id="5" name="Picture 4"/>
-          <p:cNvPicPr>
-            <a:picLocks noChangeAspect="1"/>
-          </p:cNvPicPr>
-          <p:nvPr/>
-        </p:nvPicPr>
-        <p:blipFill>
-          <a:blip r:embed="rId2">
-            <a:extLst>
-              <a:ext uri="{28A0092B-C50C-407E-A947-70E740481C1C}">
-                <a14:useLocalDpi xmlns:a14="http://schemas.microsoft.com/office/drawing/2010/main" val="0"/>
-              </a:ext>
-            </a:extLst>
-          </a:blip>
-          <a:stretch>
-            <a:fillRect/>
-          </a:stretch>
-        </p:blipFill>
-        <p:spPr>
-          <a:xfrm>
-            <a:off x="6370828" y="1746504"/>
-            <a:ext cx="2637790" cy="1664208"/>
-          </a:xfrm>
-          <a:prstGeom prst="rect">
-            <a:avLst/>
-          </a:prstGeom>
-        </p:spPr>
-      </p:pic>
-      <p:pic>
-        <p:nvPicPr>
-          <p:cNvPr id="6" name="Picture 5"/>
+          <p:cNvPr id="14" name="Picture 13"/>
           <p:cNvPicPr>
             <a:picLocks noChangeAspect="1"/>
           </p:cNvPicPr>
@@ -8733,17 +6647,20 @@
         </p:blipFill>
         <p:spPr>
           <a:xfrm>
-            <a:off x="6445250" y="3373120"/>
-            <a:ext cx="2637790" cy="1664208"/>
+            <a:off x="6982414" y="1633731"/>
+            <a:ext cx="2499360" cy="1666240"/>
           </a:xfrm>
           <a:prstGeom prst="rect">
             <a:avLst/>
           </a:prstGeom>
+          <a:ln>
+            <a:noFill/>
+          </a:ln>
         </p:spPr>
       </p:pic>
       <p:pic>
         <p:nvPicPr>
-          <p:cNvPr id="7" name="Picture 6"/>
+          <p:cNvPr id="15" name="Picture 14"/>
           <p:cNvPicPr>
             <a:picLocks noChangeAspect="1"/>
           </p:cNvPicPr>
@@ -8763,17 +6680,20 @@
         </p:blipFill>
         <p:spPr>
           <a:xfrm>
-            <a:off x="6445250" y="5126228"/>
-            <a:ext cx="2637790" cy="1664208"/>
+            <a:off x="7006798" y="5133343"/>
+            <a:ext cx="2499360" cy="1666240"/>
           </a:xfrm>
           <a:prstGeom prst="rect">
             <a:avLst/>
           </a:prstGeom>
+          <a:ln>
+            <a:noFill/>
+          </a:ln>
         </p:spPr>
       </p:pic>
       <p:pic>
         <p:nvPicPr>
-          <p:cNvPr id="8" name="Picture 7"/>
+          <p:cNvPr id="16" name="Picture 15"/>
           <p:cNvPicPr>
             <a:picLocks noChangeAspect="1"/>
           </p:cNvPicPr>
@@ -8793,17 +6713,20 @@
         </p:blipFill>
         <p:spPr>
           <a:xfrm>
-            <a:off x="3561292" y="1746504"/>
-            <a:ext cx="2637790" cy="1664208"/>
+            <a:off x="6982414" y="3386329"/>
+            <a:ext cx="2499360" cy="1666240"/>
           </a:xfrm>
           <a:prstGeom prst="rect">
             <a:avLst/>
           </a:prstGeom>
+          <a:ln>
+            <a:noFill/>
+          </a:ln>
         </p:spPr>
       </p:pic>
       <p:pic>
         <p:nvPicPr>
-          <p:cNvPr id="9" name="Picture 8"/>
+          <p:cNvPr id="17" name="Picture 16"/>
           <p:cNvPicPr>
             <a:picLocks noChangeAspect="1"/>
           </p:cNvPicPr>
@@ -8823,17 +6746,20 @@
         </p:blipFill>
         <p:spPr>
           <a:xfrm>
-            <a:off x="3561292" y="3373120"/>
-            <a:ext cx="2637790" cy="1664208"/>
+            <a:off x="3829304" y="1633731"/>
+            <a:ext cx="2499360" cy="1666240"/>
           </a:xfrm>
           <a:prstGeom prst="rect">
             <a:avLst/>
           </a:prstGeom>
+          <a:ln>
+            <a:noFill/>
+          </a:ln>
         </p:spPr>
       </p:pic>
       <p:pic>
         <p:nvPicPr>
-          <p:cNvPr id="10" name="Picture 9"/>
+          <p:cNvPr id="18" name="Picture 17"/>
           <p:cNvPicPr>
             <a:picLocks noChangeAspect="1"/>
           </p:cNvPicPr>
@@ -8853,17 +6779,20 @@
         </p:blipFill>
         <p:spPr>
           <a:xfrm>
-            <a:off x="3572214" y="5146548"/>
-            <a:ext cx="2637790" cy="1664208"/>
+            <a:off x="3832860" y="3391919"/>
+            <a:ext cx="2499360" cy="1666240"/>
           </a:xfrm>
           <a:prstGeom prst="rect">
             <a:avLst/>
           </a:prstGeom>
+          <a:ln>
+            <a:noFill/>
+          </a:ln>
         </p:spPr>
       </p:pic>
       <p:pic>
         <p:nvPicPr>
-          <p:cNvPr id="11" name="Picture 10"/>
+          <p:cNvPr id="19" name="Picture 18"/>
           <p:cNvPicPr>
             <a:picLocks noChangeAspect="1"/>
           </p:cNvPicPr>
@@ -8883,17 +6812,20 @@
         </p:blipFill>
         <p:spPr>
           <a:xfrm>
-            <a:off x="677334" y="1708912"/>
-            <a:ext cx="2637790" cy="1664208"/>
+            <a:off x="3829304" y="5133343"/>
+            <a:ext cx="2499360" cy="1666240"/>
           </a:xfrm>
           <a:prstGeom prst="rect">
             <a:avLst/>
           </a:prstGeom>
+          <a:ln>
+            <a:noFill/>
+          </a:ln>
         </p:spPr>
       </p:pic>
       <p:pic>
         <p:nvPicPr>
-          <p:cNvPr id="12" name="Picture 11"/>
+          <p:cNvPr id="20" name="Picture 19"/>
           <p:cNvPicPr>
             <a:picLocks noChangeAspect="1"/>
           </p:cNvPicPr>
@@ -8913,17 +6845,20 @@
         </p:blipFill>
         <p:spPr>
           <a:xfrm>
-            <a:off x="677334" y="3373120"/>
-            <a:ext cx="2637790" cy="1664208"/>
+            <a:off x="821990" y="1633731"/>
+            <a:ext cx="2499360" cy="1666240"/>
           </a:xfrm>
           <a:prstGeom prst="rect">
             <a:avLst/>
           </a:prstGeom>
+          <a:ln>
+            <a:noFill/>
+          </a:ln>
         </p:spPr>
       </p:pic>
       <p:pic>
         <p:nvPicPr>
-          <p:cNvPr id="13" name="Picture 12"/>
+          <p:cNvPr id="21" name="Picture 20"/>
           <p:cNvPicPr>
             <a:picLocks noChangeAspect="1"/>
           </p:cNvPicPr>
@@ -8943,23 +6878,59 @@
         </p:blipFill>
         <p:spPr>
           <a:xfrm>
-            <a:off x="677334" y="5146548"/>
-            <a:ext cx="2637790" cy="1664208"/>
+            <a:off x="821990" y="3387854"/>
+            <a:ext cx="2499360" cy="1666240"/>
           </a:xfrm>
           <a:prstGeom prst="rect">
             <a:avLst/>
           </a:prstGeom>
+          <a:ln>
+            <a:noFill/>
+          </a:ln>
         </p:spPr>
       </p:pic>
-      <p:sp>
-        <p:nvSpPr>
-          <p:cNvPr id="14" name="TextBox 13"/>
+      <p:pic>
+        <p:nvPicPr>
+          <p:cNvPr id="22" name="Picture 21"/>
+          <p:cNvPicPr>
+            <a:picLocks noChangeAspect="1"/>
+          </p:cNvPicPr>
+          <p:nvPr/>
+        </p:nvPicPr>
+        <p:blipFill>
+          <a:blip r:embed="rId11">
+            <a:extLst>
+              <a:ext uri="{28A0092B-C50C-407E-A947-70E740481C1C}">
+                <a14:useLocalDpi xmlns:a14="http://schemas.microsoft.com/office/drawing/2010/main" val="0"/>
+              </a:ext>
+            </a:extLst>
+          </a:blip>
+          <a:stretch>
+            <a:fillRect/>
+          </a:stretch>
+        </p:blipFill>
+        <p:spPr>
+          <a:xfrm>
+            <a:off x="829056" y="5133343"/>
+            <a:ext cx="2499360" cy="1666240"/>
+          </a:xfrm>
+          <a:prstGeom prst="rect">
+            <a:avLst/>
+          </a:prstGeom>
+          <a:ln>
+            <a:noFill/>
+          </a:ln>
+        </p:spPr>
+      </p:pic>
+      <p:sp>
+        <p:nvSpPr>
+          <p:cNvPr id="23" name="TextBox 22"/>
           <p:cNvSpPr txBox="1"/>
           <p:nvPr/>
         </p:nvSpPr>
         <p:spPr>
           <a:xfrm rot="16200000">
-            <a:off x="471906" y="5738344"/>
+            <a:off x="597408" y="2275815"/>
             <a:ext cx="463296" cy="215444"/>
           </a:xfrm>
           <a:prstGeom prst="rect">
@@ -8985,13 +6956,13 @@
       </p:sp>
       <p:sp>
         <p:nvSpPr>
-          <p:cNvPr id="15" name="TextBox 14"/>
+          <p:cNvPr id="24" name="TextBox 23"/>
           <p:cNvSpPr txBox="1"/>
           <p:nvPr/>
         </p:nvSpPr>
         <p:spPr>
           <a:xfrm rot="16200000">
-            <a:off x="478002" y="3940024"/>
+            <a:off x="3647922" y="2269720"/>
             <a:ext cx="463296" cy="215444"/>
           </a:xfrm>
           <a:prstGeom prst="rect">
@@ -9017,13 +6988,13 @@
       </p:sp>
       <p:sp>
         <p:nvSpPr>
-          <p:cNvPr id="16" name="TextBox 15"/>
+          <p:cNvPr id="25" name="TextBox 24"/>
           <p:cNvSpPr txBox="1"/>
           <p:nvPr/>
         </p:nvSpPr>
         <p:spPr>
           <a:xfrm rot="16200000">
-            <a:off x="471906" y="2263624"/>
+            <a:off x="6762958" y="2269719"/>
             <a:ext cx="463296" cy="215444"/>
           </a:xfrm>
           <a:prstGeom prst="rect">
@@ -9049,13 +7020,13 @@
       </p:sp>
       <p:sp>
         <p:nvSpPr>
-          <p:cNvPr id="17" name="TextBox 16"/>
+          <p:cNvPr id="26" name="TextBox 25"/>
           <p:cNvSpPr txBox="1"/>
           <p:nvPr/>
         </p:nvSpPr>
         <p:spPr>
           <a:xfrm rot="16200000">
-            <a:off x="3355314" y="2318488"/>
+            <a:off x="6762958" y="3984732"/>
             <a:ext cx="463296" cy="215444"/>
           </a:xfrm>
           <a:prstGeom prst="rect">
@@ -9081,13 +7052,13 @@
       </p:sp>
       <p:sp>
         <p:nvSpPr>
-          <p:cNvPr id="18" name="TextBox 17"/>
+          <p:cNvPr id="27" name="TextBox 26"/>
           <p:cNvSpPr txBox="1"/>
           <p:nvPr/>
         </p:nvSpPr>
         <p:spPr>
           <a:xfrm rot="16200000">
-            <a:off x="3349218" y="3933928"/>
+            <a:off x="6818310" y="5737329"/>
             <a:ext cx="463296" cy="215444"/>
           </a:xfrm>
           <a:prstGeom prst="rect">
@@ -9113,13 +7084,13 @@
       </p:sp>
       <p:sp>
         <p:nvSpPr>
-          <p:cNvPr id="19" name="TextBox 18"/>
+          <p:cNvPr id="28" name="TextBox 27"/>
           <p:cNvSpPr txBox="1"/>
           <p:nvPr/>
         </p:nvSpPr>
         <p:spPr>
           <a:xfrm rot="16200000">
-            <a:off x="3367506" y="5720056"/>
+            <a:off x="3617442" y="3872968"/>
             <a:ext cx="463296" cy="215444"/>
           </a:xfrm>
           <a:prstGeom prst="rect">
@@ -9145,13 +7116,13 @@
       </p:sp>
       <p:sp>
         <p:nvSpPr>
-          <p:cNvPr id="20" name="TextBox 19"/>
+          <p:cNvPr id="29" name="TextBox 28"/>
           <p:cNvSpPr txBox="1"/>
           <p:nvPr/>
         </p:nvSpPr>
         <p:spPr>
           <a:xfrm rot="16200000">
-            <a:off x="6248887" y="5713960"/>
+            <a:off x="3623538" y="5683480"/>
             <a:ext cx="463296" cy="215444"/>
           </a:xfrm>
           <a:prstGeom prst="rect">
@@ -9177,13 +7148,13 @@
       </p:sp>
       <p:sp>
         <p:nvSpPr>
-          <p:cNvPr id="21" name="TextBox 20"/>
+          <p:cNvPr id="30" name="TextBox 29"/>
           <p:cNvSpPr txBox="1"/>
           <p:nvPr/>
         </p:nvSpPr>
         <p:spPr>
           <a:xfrm rot="16200000">
-            <a:off x="6242791" y="3891256"/>
+            <a:off x="618210" y="5738344"/>
             <a:ext cx="463296" cy="215444"/>
           </a:xfrm>
           <a:prstGeom prst="rect">
@@ -9209,13 +7180,13 @@
       </p:sp>
       <p:sp>
         <p:nvSpPr>
-          <p:cNvPr id="22" name="TextBox 21"/>
+          <p:cNvPr id="31" name="TextBox 30"/>
           <p:cNvSpPr txBox="1"/>
           <p:nvPr/>
         </p:nvSpPr>
         <p:spPr>
           <a:xfrm rot="16200000">
-            <a:off x="6175735" y="2324584"/>
+            <a:off x="599922" y="4013176"/>
             <a:ext cx="463296" cy="215444"/>
           </a:xfrm>
           <a:prstGeom prst="rect">
@@ -9242,7 +7213,7 @@
     </p:spTree>
     <p:extLst>
       <p:ext uri="{BB962C8B-B14F-4D97-AF65-F5344CB8AC3E}">
-        <p14:creationId xmlns:p14="http://schemas.microsoft.com/office/powerpoint/2010/main" val="331270463"/>
+        <p14:creationId xmlns:p14="http://schemas.microsoft.com/office/powerpoint/2010/main" val="353440295"/>
       </p:ext>
     </p:extLst>
   </p:cSld>
@@ -9281,93 +7252,588 @@
         </p:nvSpPr>
         <p:spPr/>
         <p:txBody>
-          <a:bodyPr/>
+          <a:bodyPr>
+            <a:normAutofit/>
+          </a:bodyPr>
           <a:lstStyle/>
           <a:p>
             <a:r>
               <a:rPr lang="en-US" dirty="0"/>
-              <a:t>CONCLUSIONS/ OBSERVATIONS</a:t>
-            </a:r>
-          </a:p>
-        </p:txBody>
-      </p:sp>
-      <p:sp>
-        <p:nvSpPr>
-          <p:cNvPr id="3" name="Content Placeholder 2"/>
-          <p:cNvSpPr>
-            <a:spLocks noGrp="1"/>
-          </p:cNvSpPr>
-          <p:nvPr>
-            <p:ph idx="1"/>
-          </p:nvPr>
-        </p:nvSpPr>
+              <a:t>VISUALIZATION</a:t>
+            </a:r>
+            <a:br>
+              <a:rPr lang="en-US" dirty="0"/>
+            </a:br>
+            <a:r>
+              <a:rPr lang="en-US" sz="2800" i="1" dirty="0"/>
+              <a:t>Price and Volume with Sentiments (Vader)</a:t>
+            </a:r>
+            <a:endParaRPr lang="en-US" sz="2800" dirty="0"/>
+          </a:p>
+        </p:txBody>
+      </p:sp>
+      <p:pic>
+        <p:nvPicPr>
+          <p:cNvPr id="5" name="Picture 4"/>
+          <p:cNvPicPr>
+            <a:picLocks noChangeAspect="1"/>
+          </p:cNvPicPr>
+          <p:nvPr/>
+        </p:nvPicPr>
+        <p:blipFill>
+          <a:blip r:embed="rId2">
+            <a:extLst>
+              <a:ext uri="{28A0092B-C50C-407E-A947-70E740481C1C}">
+                <a14:useLocalDpi xmlns:a14="http://schemas.microsoft.com/office/drawing/2010/main" val="0"/>
+              </a:ext>
+            </a:extLst>
+          </a:blip>
+          <a:stretch>
+            <a:fillRect/>
+          </a:stretch>
+        </p:blipFill>
         <p:spPr>
           <a:xfrm>
-            <a:off x="677334" y="1520455"/>
-            <a:ext cx="8596668" cy="4520907"/>
-          </a:xfrm>
-        </p:spPr>
-        <p:txBody>
-          <a:bodyPr/>
-          <a:lstStyle/>
-          <a:p>
-            <a:r>
-              <a:rPr lang="en-US" dirty="0"/>
-              <a:t>Fox Business had opposite sentiments to market trends (Market Manipulation)</a:t>
-            </a:r>
-          </a:p>
-          <a:p>
-            <a:r>
-              <a:rPr lang="en-US" dirty="0"/>
-              <a:t>The Dow Jones (index most affected by price) had significant drops (and rises) with corresponding sentiments (except for Fox Business)</a:t>
-            </a:r>
-          </a:p>
-          <a:p>
-            <a:r>
-              <a:rPr lang="en-US" dirty="0"/>
-              <a:t>Sentiments observed over the weekend provide a good indicator on how the index will open</a:t>
-            </a:r>
-          </a:p>
-          <a:p>
-            <a:r>
-              <a:rPr lang="en-US" dirty="0"/>
-              <a:t>Financial focused sources provide biased insights than general news sources</a:t>
-            </a:r>
-          </a:p>
-          <a:p>
-            <a:r>
-              <a:rPr lang="en-US" dirty="0"/>
-              <a:t>Different algorithm/ weights make VADER and </a:t>
-            </a:r>
-            <a:r>
-              <a:rPr lang="en-US" dirty="0" err="1"/>
-              <a:t>TextBlob</a:t>
-            </a:r>
-            <a:r>
-              <a:rPr lang="en-US" dirty="0"/>
-              <a:t> difficult to compare, but </a:t>
-            </a:r>
-            <a:r>
-              <a:rPr lang="en-US" dirty="0" err="1"/>
-              <a:t>TextBlob</a:t>
-            </a:r>
-            <a:r>
-              <a:rPr lang="en-US" dirty="0"/>
-              <a:t> seems to give more accurate analysis</a:t>
-            </a:r>
-          </a:p>
-          <a:p>
-            <a:pPr marL="0" indent="0">
-              <a:buNone/>
-            </a:pPr>
-            <a:endParaRPr lang="en-US" dirty="0"/>
+            <a:off x="6370828" y="1746504"/>
+            <a:ext cx="2637790" cy="1664208"/>
+          </a:xfrm>
+          <a:prstGeom prst="rect">
+            <a:avLst/>
+          </a:prstGeom>
+        </p:spPr>
+      </p:pic>
+      <p:pic>
+        <p:nvPicPr>
+          <p:cNvPr id="6" name="Picture 5"/>
+          <p:cNvPicPr>
+            <a:picLocks noChangeAspect="1"/>
+          </p:cNvPicPr>
+          <p:nvPr/>
+        </p:nvPicPr>
+        <p:blipFill>
+          <a:blip r:embed="rId3">
+            <a:extLst>
+              <a:ext uri="{28A0092B-C50C-407E-A947-70E740481C1C}">
+                <a14:useLocalDpi xmlns:a14="http://schemas.microsoft.com/office/drawing/2010/main" val="0"/>
+              </a:ext>
+            </a:extLst>
+          </a:blip>
+          <a:stretch>
+            <a:fillRect/>
+          </a:stretch>
+        </p:blipFill>
+        <p:spPr>
+          <a:xfrm>
+            <a:off x="6445250" y="3373120"/>
+            <a:ext cx="2637790" cy="1664208"/>
+          </a:xfrm>
+          <a:prstGeom prst="rect">
+            <a:avLst/>
+          </a:prstGeom>
+        </p:spPr>
+      </p:pic>
+      <p:pic>
+        <p:nvPicPr>
+          <p:cNvPr id="7" name="Picture 6"/>
+          <p:cNvPicPr>
+            <a:picLocks noChangeAspect="1"/>
+          </p:cNvPicPr>
+          <p:nvPr/>
+        </p:nvPicPr>
+        <p:blipFill>
+          <a:blip r:embed="rId4">
+            <a:extLst>
+              <a:ext uri="{28A0092B-C50C-407E-A947-70E740481C1C}">
+                <a14:useLocalDpi xmlns:a14="http://schemas.microsoft.com/office/drawing/2010/main" val="0"/>
+              </a:ext>
+            </a:extLst>
+          </a:blip>
+          <a:stretch>
+            <a:fillRect/>
+          </a:stretch>
+        </p:blipFill>
+        <p:spPr>
+          <a:xfrm>
+            <a:off x="6445250" y="5126228"/>
+            <a:ext cx="2637790" cy="1664208"/>
+          </a:xfrm>
+          <a:prstGeom prst="rect">
+            <a:avLst/>
+          </a:prstGeom>
+        </p:spPr>
+      </p:pic>
+      <p:pic>
+        <p:nvPicPr>
+          <p:cNvPr id="8" name="Picture 7"/>
+          <p:cNvPicPr>
+            <a:picLocks noChangeAspect="1"/>
+          </p:cNvPicPr>
+          <p:nvPr/>
+        </p:nvPicPr>
+        <p:blipFill>
+          <a:blip r:embed="rId5">
+            <a:extLst>
+              <a:ext uri="{28A0092B-C50C-407E-A947-70E740481C1C}">
+                <a14:useLocalDpi xmlns:a14="http://schemas.microsoft.com/office/drawing/2010/main" val="0"/>
+              </a:ext>
+            </a:extLst>
+          </a:blip>
+          <a:stretch>
+            <a:fillRect/>
+          </a:stretch>
+        </p:blipFill>
+        <p:spPr>
+          <a:xfrm>
+            <a:off x="3561292" y="1746504"/>
+            <a:ext cx="2637790" cy="1664208"/>
+          </a:xfrm>
+          <a:prstGeom prst="rect">
+            <a:avLst/>
+          </a:prstGeom>
+        </p:spPr>
+      </p:pic>
+      <p:pic>
+        <p:nvPicPr>
+          <p:cNvPr id="9" name="Picture 8"/>
+          <p:cNvPicPr>
+            <a:picLocks noChangeAspect="1"/>
+          </p:cNvPicPr>
+          <p:nvPr/>
+        </p:nvPicPr>
+        <p:blipFill>
+          <a:blip r:embed="rId6">
+            <a:extLst>
+              <a:ext uri="{28A0092B-C50C-407E-A947-70E740481C1C}">
+                <a14:useLocalDpi xmlns:a14="http://schemas.microsoft.com/office/drawing/2010/main" val="0"/>
+              </a:ext>
+            </a:extLst>
+          </a:blip>
+          <a:stretch>
+            <a:fillRect/>
+          </a:stretch>
+        </p:blipFill>
+        <p:spPr>
+          <a:xfrm>
+            <a:off x="3561292" y="3373120"/>
+            <a:ext cx="2637790" cy="1664208"/>
+          </a:xfrm>
+          <a:prstGeom prst="rect">
+            <a:avLst/>
+          </a:prstGeom>
+        </p:spPr>
+      </p:pic>
+      <p:pic>
+        <p:nvPicPr>
+          <p:cNvPr id="10" name="Picture 9"/>
+          <p:cNvPicPr>
+            <a:picLocks noChangeAspect="1"/>
+          </p:cNvPicPr>
+          <p:nvPr/>
+        </p:nvPicPr>
+        <p:blipFill>
+          <a:blip r:embed="rId7">
+            <a:extLst>
+              <a:ext uri="{28A0092B-C50C-407E-A947-70E740481C1C}">
+                <a14:useLocalDpi xmlns:a14="http://schemas.microsoft.com/office/drawing/2010/main" val="0"/>
+              </a:ext>
+            </a:extLst>
+          </a:blip>
+          <a:stretch>
+            <a:fillRect/>
+          </a:stretch>
+        </p:blipFill>
+        <p:spPr>
+          <a:xfrm>
+            <a:off x="3572214" y="5146548"/>
+            <a:ext cx="2637790" cy="1664208"/>
+          </a:xfrm>
+          <a:prstGeom prst="rect">
+            <a:avLst/>
+          </a:prstGeom>
+        </p:spPr>
+      </p:pic>
+      <p:pic>
+        <p:nvPicPr>
+          <p:cNvPr id="11" name="Picture 10"/>
+          <p:cNvPicPr>
+            <a:picLocks noChangeAspect="1"/>
+          </p:cNvPicPr>
+          <p:nvPr/>
+        </p:nvPicPr>
+        <p:blipFill>
+          <a:blip r:embed="rId8">
+            <a:extLst>
+              <a:ext uri="{28A0092B-C50C-407E-A947-70E740481C1C}">
+                <a14:useLocalDpi xmlns:a14="http://schemas.microsoft.com/office/drawing/2010/main" val="0"/>
+              </a:ext>
+            </a:extLst>
+          </a:blip>
+          <a:stretch>
+            <a:fillRect/>
+          </a:stretch>
+        </p:blipFill>
+        <p:spPr>
+          <a:xfrm>
+            <a:off x="677334" y="1708912"/>
+            <a:ext cx="2637790" cy="1664208"/>
+          </a:xfrm>
+          <a:prstGeom prst="rect">
+            <a:avLst/>
+          </a:prstGeom>
+        </p:spPr>
+      </p:pic>
+      <p:pic>
+        <p:nvPicPr>
+          <p:cNvPr id="12" name="Picture 11"/>
+          <p:cNvPicPr>
+            <a:picLocks noChangeAspect="1"/>
+          </p:cNvPicPr>
+          <p:nvPr/>
+        </p:nvPicPr>
+        <p:blipFill>
+          <a:blip r:embed="rId9">
+            <a:extLst>
+              <a:ext uri="{28A0092B-C50C-407E-A947-70E740481C1C}">
+                <a14:useLocalDpi xmlns:a14="http://schemas.microsoft.com/office/drawing/2010/main" val="0"/>
+              </a:ext>
+            </a:extLst>
+          </a:blip>
+          <a:stretch>
+            <a:fillRect/>
+          </a:stretch>
+        </p:blipFill>
+        <p:spPr>
+          <a:xfrm>
+            <a:off x="677334" y="3373120"/>
+            <a:ext cx="2637790" cy="1664208"/>
+          </a:xfrm>
+          <a:prstGeom prst="rect">
+            <a:avLst/>
+          </a:prstGeom>
+        </p:spPr>
+      </p:pic>
+      <p:pic>
+        <p:nvPicPr>
+          <p:cNvPr id="13" name="Picture 12"/>
+          <p:cNvPicPr>
+            <a:picLocks noChangeAspect="1"/>
+          </p:cNvPicPr>
+          <p:nvPr/>
+        </p:nvPicPr>
+        <p:blipFill>
+          <a:blip r:embed="rId10">
+            <a:extLst>
+              <a:ext uri="{28A0092B-C50C-407E-A947-70E740481C1C}">
+                <a14:useLocalDpi xmlns:a14="http://schemas.microsoft.com/office/drawing/2010/main" val="0"/>
+              </a:ext>
+            </a:extLst>
+          </a:blip>
+          <a:stretch>
+            <a:fillRect/>
+          </a:stretch>
+        </p:blipFill>
+        <p:spPr>
+          <a:xfrm>
+            <a:off x="677334" y="5146548"/>
+            <a:ext cx="2637790" cy="1664208"/>
+          </a:xfrm>
+          <a:prstGeom prst="rect">
+            <a:avLst/>
+          </a:prstGeom>
+        </p:spPr>
+      </p:pic>
+      <p:sp>
+        <p:nvSpPr>
+          <p:cNvPr id="14" name="TextBox 13"/>
+          <p:cNvSpPr txBox="1"/>
+          <p:nvPr/>
+        </p:nvSpPr>
+        <p:spPr>
+          <a:xfrm rot="16200000">
+            <a:off x="471906" y="5738344"/>
+            <a:ext cx="463296" cy="215444"/>
+          </a:xfrm>
+          <a:prstGeom prst="rect">
+            <a:avLst/>
+          </a:prstGeom>
+          <a:solidFill>
+            <a:schemeClr val="bg1"/>
+          </a:solidFill>
+        </p:spPr>
+        <p:txBody>
+          <a:bodyPr wrap="square" rtlCol="0">
+            <a:spAutoFit/>
+          </a:bodyPr>
+          <a:lstStyle/>
+          <a:p>
+            <a:pPr algn="ctr"/>
+            <a:r>
+              <a:rPr lang="en-US" sz="800" dirty="0"/>
+              <a:t>Price</a:t>
+            </a:r>
+          </a:p>
+        </p:txBody>
+      </p:sp>
+      <p:sp>
+        <p:nvSpPr>
+          <p:cNvPr id="15" name="TextBox 14"/>
+          <p:cNvSpPr txBox="1"/>
+          <p:nvPr/>
+        </p:nvSpPr>
+        <p:spPr>
+          <a:xfrm rot="16200000">
+            <a:off x="478002" y="3940024"/>
+            <a:ext cx="463296" cy="215444"/>
+          </a:xfrm>
+          <a:prstGeom prst="rect">
+            <a:avLst/>
+          </a:prstGeom>
+          <a:solidFill>
+            <a:schemeClr val="bg1"/>
+          </a:solidFill>
+        </p:spPr>
+        <p:txBody>
+          <a:bodyPr wrap="square" rtlCol="0">
+            <a:spAutoFit/>
+          </a:bodyPr>
+          <a:lstStyle/>
+          <a:p>
+            <a:pPr algn="ctr"/>
+            <a:r>
+              <a:rPr lang="en-US" sz="800" dirty="0"/>
+              <a:t>Price</a:t>
+            </a:r>
+          </a:p>
+        </p:txBody>
+      </p:sp>
+      <p:sp>
+        <p:nvSpPr>
+          <p:cNvPr id="16" name="TextBox 15"/>
+          <p:cNvSpPr txBox="1"/>
+          <p:nvPr/>
+        </p:nvSpPr>
+        <p:spPr>
+          <a:xfrm rot="16200000">
+            <a:off x="471906" y="2263624"/>
+            <a:ext cx="463296" cy="215444"/>
+          </a:xfrm>
+          <a:prstGeom prst="rect">
+            <a:avLst/>
+          </a:prstGeom>
+          <a:solidFill>
+            <a:schemeClr val="bg1"/>
+          </a:solidFill>
+        </p:spPr>
+        <p:txBody>
+          <a:bodyPr wrap="square" rtlCol="0">
+            <a:spAutoFit/>
+          </a:bodyPr>
+          <a:lstStyle/>
+          <a:p>
+            <a:pPr algn="ctr"/>
+            <a:r>
+              <a:rPr lang="en-US" sz="800" dirty="0"/>
+              <a:t>Price</a:t>
+            </a:r>
+          </a:p>
+        </p:txBody>
+      </p:sp>
+      <p:sp>
+        <p:nvSpPr>
+          <p:cNvPr id="17" name="TextBox 16"/>
+          <p:cNvSpPr txBox="1"/>
+          <p:nvPr/>
+        </p:nvSpPr>
+        <p:spPr>
+          <a:xfrm rot="16200000">
+            <a:off x="3355314" y="2318488"/>
+            <a:ext cx="463296" cy="215444"/>
+          </a:xfrm>
+          <a:prstGeom prst="rect">
+            <a:avLst/>
+          </a:prstGeom>
+          <a:solidFill>
+            <a:schemeClr val="bg1"/>
+          </a:solidFill>
+        </p:spPr>
+        <p:txBody>
+          <a:bodyPr wrap="square" rtlCol="0">
+            <a:spAutoFit/>
+          </a:bodyPr>
+          <a:lstStyle/>
+          <a:p>
+            <a:pPr algn="ctr"/>
+            <a:r>
+              <a:rPr lang="en-US" sz="800" dirty="0"/>
+              <a:t>Price</a:t>
+            </a:r>
+          </a:p>
+        </p:txBody>
+      </p:sp>
+      <p:sp>
+        <p:nvSpPr>
+          <p:cNvPr id="18" name="TextBox 17"/>
+          <p:cNvSpPr txBox="1"/>
+          <p:nvPr/>
+        </p:nvSpPr>
+        <p:spPr>
+          <a:xfrm rot="16200000">
+            <a:off x="3349218" y="3933928"/>
+            <a:ext cx="463296" cy="215444"/>
+          </a:xfrm>
+          <a:prstGeom prst="rect">
+            <a:avLst/>
+          </a:prstGeom>
+          <a:solidFill>
+            <a:schemeClr val="bg1"/>
+          </a:solidFill>
+        </p:spPr>
+        <p:txBody>
+          <a:bodyPr wrap="square" rtlCol="0">
+            <a:spAutoFit/>
+          </a:bodyPr>
+          <a:lstStyle/>
+          <a:p>
+            <a:pPr algn="ctr"/>
+            <a:r>
+              <a:rPr lang="en-US" sz="800" dirty="0"/>
+              <a:t>Price</a:t>
+            </a:r>
+          </a:p>
+        </p:txBody>
+      </p:sp>
+      <p:sp>
+        <p:nvSpPr>
+          <p:cNvPr id="19" name="TextBox 18"/>
+          <p:cNvSpPr txBox="1"/>
+          <p:nvPr/>
+        </p:nvSpPr>
+        <p:spPr>
+          <a:xfrm rot="16200000">
+            <a:off x="3367506" y="5720056"/>
+            <a:ext cx="463296" cy="215444"/>
+          </a:xfrm>
+          <a:prstGeom prst="rect">
+            <a:avLst/>
+          </a:prstGeom>
+          <a:solidFill>
+            <a:schemeClr val="bg1"/>
+          </a:solidFill>
+        </p:spPr>
+        <p:txBody>
+          <a:bodyPr wrap="square" rtlCol="0">
+            <a:spAutoFit/>
+          </a:bodyPr>
+          <a:lstStyle/>
+          <a:p>
+            <a:pPr algn="ctr"/>
+            <a:r>
+              <a:rPr lang="en-US" sz="800" dirty="0"/>
+              <a:t>Price</a:t>
+            </a:r>
+          </a:p>
+        </p:txBody>
+      </p:sp>
+      <p:sp>
+        <p:nvSpPr>
+          <p:cNvPr id="20" name="TextBox 19"/>
+          <p:cNvSpPr txBox="1"/>
+          <p:nvPr/>
+        </p:nvSpPr>
+        <p:spPr>
+          <a:xfrm rot="16200000">
+            <a:off x="6248887" y="5713960"/>
+            <a:ext cx="463296" cy="215444"/>
+          </a:xfrm>
+          <a:prstGeom prst="rect">
+            <a:avLst/>
+          </a:prstGeom>
+          <a:solidFill>
+            <a:schemeClr val="bg1"/>
+          </a:solidFill>
+        </p:spPr>
+        <p:txBody>
+          <a:bodyPr wrap="square" rtlCol="0">
+            <a:spAutoFit/>
+          </a:bodyPr>
+          <a:lstStyle/>
+          <a:p>
+            <a:pPr algn="ctr"/>
+            <a:r>
+              <a:rPr lang="en-US" sz="800" dirty="0"/>
+              <a:t>Price</a:t>
+            </a:r>
+          </a:p>
+        </p:txBody>
+      </p:sp>
+      <p:sp>
+        <p:nvSpPr>
+          <p:cNvPr id="21" name="TextBox 20"/>
+          <p:cNvSpPr txBox="1"/>
+          <p:nvPr/>
+        </p:nvSpPr>
+        <p:spPr>
+          <a:xfrm rot="16200000">
+            <a:off x="6242791" y="3891256"/>
+            <a:ext cx="463296" cy="215444"/>
+          </a:xfrm>
+          <a:prstGeom prst="rect">
+            <a:avLst/>
+          </a:prstGeom>
+          <a:solidFill>
+            <a:schemeClr val="bg1"/>
+          </a:solidFill>
+        </p:spPr>
+        <p:txBody>
+          <a:bodyPr wrap="square" rtlCol="0">
+            <a:spAutoFit/>
+          </a:bodyPr>
+          <a:lstStyle/>
+          <a:p>
+            <a:pPr algn="ctr"/>
+            <a:r>
+              <a:rPr lang="en-US" sz="800" dirty="0"/>
+              <a:t>Price</a:t>
+            </a:r>
+          </a:p>
+        </p:txBody>
+      </p:sp>
+      <p:sp>
+        <p:nvSpPr>
+          <p:cNvPr id="22" name="TextBox 21"/>
+          <p:cNvSpPr txBox="1"/>
+          <p:nvPr/>
+        </p:nvSpPr>
+        <p:spPr>
+          <a:xfrm rot="16200000">
+            <a:off x="6175735" y="2324584"/>
+            <a:ext cx="463296" cy="215444"/>
+          </a:xfrm>
+          <a:prstGeom prst="rect">
+            <a:avLst/>
+          </a:prstGeom>
+          <a:solidFill>
+            <a:schemeClr val="bg1"/>
+          </a:solidFill>
+        </p:spPr>
+        <p:txBody>
+          <a:bodyPr wrap="square" rtlCol="0">
+            <a:spAutoFit/>
+          </a:bodyPr>
+          <a:lstStyle/>
+          <a:p>
+            <a:pPr algn="ctr"/>
+            <a:r>
+              <a:rPr lang="en-US" sz="800" dirty="0"/>
+              <a:t>Price</a:t>
+            </a:r>
           </a:p>
         </p:txBody>
       </p:sp>
     </p:spTree>
     <p:extLst>
       <p:ext uri="{BB962C8B-B14F-4D97-AF65-F5344CB8AC3E}">
-        <p14:creationId xmlns:p14="http://schemas.microsoft.com/office/powerpoint/2010/main" val="1385058617"/>
+        <p14:creationId xmlns:p14="http://schemas.microsoft.com/office/powerpoint/2010/main" val="331270463"/>
       </p:ext>
     </p:extLst>
   </p:cSld>
@@ -9396,6 +7862,131 @@
       </p:grpSpPr>
       <p:sp>
         <p:nvSpPr>
+          <p:cNvPr id="2" name="Title 1"/>
+          <p:cNvSpPr>
+            <a:spLocks noGrp="1"/>
+          </p:cNvSpPr>
+          <p:nvPr>
+            <p:ph type="title"/>
+          </p:nvPr>
+        </p:nvSpPr>
+        <p:spPr/>
+        <p:txBody>
+          <a:bodyPr/>
+          <a:lstStyle/>
+          <a:p>
+            <a:r>
+              <a:rPr lang="en-US" dirty="0"/>
+              <a:t>CONCLUSIONS/ OBSERVATIONS</a:t>
+            </a:r>
+          </a:p>
+        </p:txBody>
+      </p:sp>
+      <p:sp>
+        <p:nvSpPr>
+          <p:cNvPr id="3" name="Content Placeholder 2"/>
+          <p:cNvSpPr>
+            <a:spLocks noGrp="1"/>
+          </p:cNvSpPr>
+          <p:nvPr>
+            <p:ph idx="1"/>
+          </p:nvPr>
+        </p:nvSpPr>
+        <p:spPr>
+          <a:xfrm>
+            <a:off x="677334" y="1520455"/>
+            <a:ext cx="8596668" cy="4520907"/>
+          </a:xfrm>
+        </p:spPr>
+        <p:txBody>
+          <a:bodyPr/>
+          <a:lstStyle/>
+          <a:p>
+            <a:r>
+              <a:rPr lang="en-US" dirty="0"/>
+              <a:t>Fox Business had opposite sentiments to market trends (Market Manipulation)</a:t>
+            </a:r>
+          </a:p>
+          <a:p>
+            <a:r>
+              <a:rPr lang="en-US" dirty="0"/>
+              <a:t>The Dow Jones (index most affected by price) had significant drops (and rises) with corresponding sentiments (except for Fox Business)</a:t>
+            </a:r>
+          </a:p>
+          <a:p>
+            <a:r>
+              <a:rPr lang="en-US" dirty="0"/>
+              <a:t>Sentiments observed over the weekend provide a good indicator on how the index will open</a:t>
+            </a:r>
+          </a:p>
+          <a:p>
+            <a:r>
+              <a:rPr lang="en-US" dirty="0"/>
+              <a:t>Financial focused sources provide biased insights than general news sources</a:t>
+            </a:r>
+          </a:p>
+          <a:p>
+            <a:r>
+              <a:rPr lang="en-US" dirty="0"/>
+              <a:t>Different algorithm/ weights make VADER and </a:t>
+            </a:r>
+            <a:r>
+              <a:rPr lang="en-US" dirty="0" err="1"/>
+              <a:t>TextBlob</a:t>
+            </a:r>
+            <a:r>
+              <a:rPr lang="en-US" dirty="0"/>
+              <a:t> difficult to compare, but </a:t>
+            </a:r>
+            <a:r>
+              <a:rPr lang="en-US" dirty="0" err="1"/>
+              <a:t>TextBlob</a:t>
+            </a:r>
+            <a:r>
+              <a:rPr lang="en-US" dirty="0"/>
+              <a:t> seems to give more accurate analysis</a:t>
+            </a:r>
+          </a:p>
+          <a:p>
+            <a:pPr marL="0" indent="0">
+              <a:buNone/>
+            </a:pPr>
+            <a:endParaRPr lang="en-US" dirty="0"/>
+          </a:p>
+        </p:txBody>
+      </p:sp>
+    </p:spTree>
+    <p:extLst>
+      <p:ext uri="{BB962C8B-B14F-4D97-AF65-F5344CB8AC3E}">
+        <p14:creationId xmlns:p14="http://schemas.microsoft.com/office/powerpoint/2010/main" val="1385058617"/>
+      </p:ext>
+    </p:extLst>
+  </p:cSld>
+  <p:clrMapOvr>
+    <a:masterClrMapping/>
+  </p:clrMapOvr>
+</p:sld>
+</file>
+
+<file path=ppt/slides/slide13.xml><?xml version="1.0" encoding="utf-8"?>
+<p:sld xmlns:a="http://schemas.openxmlformats.org/drawingml/2006/main" xmlns:r="http://schemas.openxmlformats.org/officeDocument/2006/relationships" xmlns:p="http://schemas.openxmlformats.org/presentationml/2006/main">
+  <p:cSld>
+    <p:spTree>
+      <p:nvGrpSpPr>
+        <p:cNvPr id="1" name=""/>
+        <p:cNvGrpSpPr/>
+        <p:nvPr/>
+      </p:nvGrpSpPr>
+      <p:grpSpPr>
+        <a:xfrm>
+          <a:off x="0" y="0"/>
+          <a:ext cx="0" cy="0"/>
+          <a:chOff x="0" y="0"/>
+          <a:chExt cx="0" cy="0"/>
+        </a:xfrm>
+      </p:grpSpPr>
+      <p:sp>
+        <p:nvSpPr>
           <p:cNvPr id="2" name="Title 1">
             <a:extLst>
               <a:ext uri="{FF2B5EF4-FFF2-40B4-BE49-F238E27FC236}">
@@ -9445,7 +8036,13 @@
           <a:p>
             <a:r>
               <a:rPr lang="en-US" dirty="0"/>
-              <a:t>Back testing with Premium Twitter API (Data Archived)</a:t>
+              <a:t>Back testing with Premium Twitter API (Data Archived since beginning)</a:t>
+            </a:r>
+          </a:p>
+          <a:p>
+            <a:r>
+              <a:rPr lang="en-US" dirty="0"/>
+              <a:t>Extend analysis to other social media platforms such as Facebook</a:t>
             </a:r>
           </a:p>
           <a:p>
@@ -9457,7 +8054,7 @@
           <a:p>
             <a:r>
               <a:rPr lang="en-US" dirty="0"/>
-              <a:t>Visualize over different markets, individual stocks</a:t>
+              <a:t>Visualize over different markets, individual stocks, sectors</a:t>
             </a:r>
           </a:p>
           <a:p>
@@ -9498,7 +8095,7 @@
 </p:sld>
 </file>
 
-<file path=ppt/slides/slide13.xml><?xml version="1.0" encoding="utf-8"?>
+<file path=ppt/slides/slide14.xml><?xml version="1.0" encoding="utf-8"?>
 <p:sld xmlns:a="http://schemas.openxmlformats.org/drawingml/2006/main" xmlns:r="http://schemas.openxmlformats.org/officeDocument/2006/relationships" xmlns:p="http://schemas.openxmlformats.org/presentationml/2006/main">
   <p:cSld>
     <p:spTree>
@@ -9737,7 +8334,13 @@
       </p:grpSpPr>
       <p:sp>
         <p:nvSpPr>
-          <p:cNvPr id="2" name="Title 1"/>
+          <p:cNvPr id="2" name="Title 1">
+            <a:extLst>
+              <a:ext uri="{FF2B5EF4-FFF2-40B4-BE49-F238E27FC236}">
+                <a16:creationId xmlns:a16="http://schemas.microsoft.com/office/drawing/2014/main" id="{6265B87B-DCDA-A441-BAFD-683BBFAF1FE5}"/>
+              </a:ext>
+            </a:extLst>
+          </p:cNvPr>
           <p:cNvSpPr>
             <a:spLocks noGrp="1"/>
           </p:cNvSpPr>
@@ -9752,14 +8355,20 @@
           <a:p>
             <a:r>
               <a:rPr lang="en-US" dirty="0"/>
-              <a:t>OVERVIEW</a:t>
-            </a:r>
-          </a:p>
-        </p:txBody>
-      </p:sp>
-      <p:sp>
-        <p:nvSpPr>
-          <p:cNvPr id="3" name="Content Placeholder 2"/>
+              <a:t>Intro</a:t>
+            </a:r>
+          </a:p>
+        </p:txBody>
+      </p:sp>
+      <p:sp>
+        <p:nvSpPr>
+          <p:cNvPr id="3" name="Content Placeholder 2">
+            <a:extLst>
+              <a:ext uri="{FF2B5EF4-FFF2-40B4-BE49-F238E27FC236}">
+                <a16:creationId xmlns:a16="http://schemas.microsoft.com/office/drawing/2014/main" id="{745D3D49-6A47-5A43-A9DE-47484D28A6B1}"/>
+              </a:ext>
+            </a:extLst>
+          </p:cNvPr>
           <p:cNvSpPr>
             <a:spLocks noGrp="1"/>
           </p:cNvSpPr>
@@ -9767,60 +8376,64 @@
             <p:ph idx="1"/>
           </p:nvPr>
         </p:nvSpPr>
-        <p:spPr>
-          <a:xfrm>
-            <a:off x="677334" y="1637415"/>
-            <a:ext cx="8596668" cy="4403948"/>
-          </a:xfrm>
-        </p:spPr>
-        <p:txBody>
-          <a:bodyPr/>
-          <a:lstStyle/>
-          <a:p>
-            <a:r>
-              <a:rPr lang="en-US" sz="2800" dirty="0"/>
-              <a:t>Background</a:t>
-            </a:r>
-          </a:p>
-          <a:p>
-            <a:r>
-              <a:rPr lang="en-US" sz="2800" dirty="0"/>
-              <a:t>Objectives</a:t>
-            </a:r>
-          </a:p>
-          <a:p>
-            <a:r>
-              <a:rPr lang="en-US" sz="2800" dirty="0"/>
-              <a:t>Methods</a:t>
-            </a:r>
-          </a:p>
-          <a:p>
-            <a:r>
-              <a:rPr lang="en-US" sz="2800" dirty="0"/>
-              <a:t>Visualization</a:t>
-            </a:r>
-          </a:p>
-          <a:p>
-            <a:r>
-              <a:rPr lang="en-US" sz="2800" dirty="0"/>
-              <a:t>Conclusions</a:t>
-            </a:r>
-          </a:p>
-          <a:p>
-            <a:endParaRPr lang="en-US" dirty="0"/>
-          </a:p>
-          <a:p>
-            <a:endParaRPr lang="en-US" dirty="0"/>
-          </a:p>
-          <a:p>
-            <a:endParaRPr lang="en-US" dirty="0"/>
+        <p:spPr/>
+        <p:txBody>
+          <a:bodyPr>
+            <a:normAutofit/>
+          </a:bodyPr>
+          <a:lstStyle/>
+          <a:p>
+            <a:r>
+              <a:rPr lang="en-US" sz="2400" dirty="0"/>
+              <a:t>Stock market plays a role in all our lives</a:t>
+            </a:r>
+          </a:p>
+          <a:p>
+            <a:pPr lvl="1"/>
+            <a:r>
+              <a:rPr lang="en-US" sz="2200" dirty="0"/>
+              <a:t>Retirement accounts</a:t>
+            </a:r>
+          </a:p>
+          <a:p>
+            <a:pPr lvl="1"/>
+            <a:r>
+              <a:rPr lang="en-US" sz="2200" dirty="0"/>
+              <a:t>Daily spending actions</a:t>
+            </a:r>
+          </a:p>
+          <a:p>
+            <a:r>
+              <a:rPr lang="en-US" sz="2400" dirty="0"/>
+              <a:t>We are constantly trying to understand price movements with different tools</a:t>
+            </a:r>
+          </a:p>
+          <a:p>
+            <a:pPr lvl="1"/>
+            <a:r>
+              <a:rPr lang="en-US" sz="2200" dirty="0"/>
+              <a:t>Technical analysis</a:t>
+            </a:r>
+          </a:p>
+          <a:p>
+            <a:pPr lvl="1"/>
+            <a:r>
+              <a:rPr lang="en-US" sz="2200" dirty="0"/>
+              <a:t>High frequency trading</a:t>
+            </a:r>
+          </a:p>
+          <a:p>
+            <a:r>
+              <a:rPr lang="en-US" sz="2400" dirty="0"/>
+              <a:t>News drives price movement more than ever</a:t>
+            </a:r>
           </a:p>
         </p:txBody>
       </p:sp>
     </p:spTree>
     <p:extLst>
       <p:ext uri="{BB962C8B-B14F-4D97-AF65-F5344CB8AC3E}">
-        <p14:creationId xmlns:p14="http://schemas.microsoft.com/office/powerpoint/2010/main" val="134686894"/>
+        <p14:creationId xmlns:p14="http://schemas.microsoft.com/office/powerpoint/2010/main" val="313186086"/>
       </p:ext>
     </p:extLst>
   </p:cSld>
@@ -9864,7 +8477,7 @@
           <a:p>
             <a:r>
               <a:rPr lang="en-US" dirty="0"/>
-              <a:t>BACKGROUND</a:t>
+              <a:t>OVERVIEW</a:t>
             </a:r>
           </a:p>
         </p:txBody>
@@ -9881,8 +8494,8 @@
         </p:nvSpPr>
         <p:spPr>
           <a:xfrm>
-            <a:off x="677334" y="1270000"/>
-            <a:ext cx="8596668" cy="3880773"/>
+            <a:off x="677334" y="1637415"/>
+            <a:ext cx="8596668" cy="4403948"/>
           </a:xfrm>
         </p:spPr>
         <p:txBody>
@@ -9890,55 +8503,49 @@
           <a:lstStyle/>
           <a:p>
             <a:r>
-              <a:rPr lang="en-US" dirty="0"/>
-              <a:t>Sentiment analysis is a growing science!</a:t>
-            </a:r>
-          </a:p>
-          <a:p>
-            <a:r>
-              <a:rPr lang="en-US" dirty="0"/>
-              <a:t>99% of research papers regarding sentiment analysis have been published after 2004</a:t>
-            </a:r>
-          </a:p>
-          <a:p>
-            <a:r>
-              <a:rPr lang="en-US" dirty="0"/>
-              <a:t>Recent research has focused on using sentiment analysis for stock market predictions</a:t>
+              <a:rPr lang="en-US" sz="2800" dirty="0"/>
+              <a:t>Background</a:t>
+            </a:r>
+          </a:p>
+          <a:p>
+            <a:r>
+              <a:rPr lang="en-US" sz="2800" dirty="0"/>
+              <a:t>Objectives</a:t>
+            </a:r>
+          </a:p>
+          <a:p>
+            <a:r>
+              <a:rPr lang="en-US" sz="2800" dirty="0"/>
+              <a:t>Methods</a:t>
+            </a:r>
+          </a:p>
+          <a:p>
+            <a:r>
+              <a:rPr lang="en-US" sz="2800" dirty="0"/>
+              <a:t>Visualization</a:t>
+            </a:r>
+          </a:p>
+          <a:p>
+            <a:r>
+              <a:rPr lang="en-US" sz="2800" dirty="0"/>
+              <a:t>Conclusions</a:t>
             </a:r>
           </a:p>
           <a:p>
             <a:endParaRPr lang="en-US" dirty="0"/>
           </a:p>
-        </p:txBody>
-      </p:sp>
-      <p:graphicFrame>
-        <p:nvGraphicFramePr>
-          <p:cNvPr id="4" name="Chart 3"/>
-          <p:cNvGraphicFramePr>
-            <a:graphicFrameLocks/>
-          </p:cNvGraphicFramePr>
-          <p:nvPr>
-            <p:extLst>
-              <p:ext uri="{D42A27DB-BD31-4B8C-83A1-F6EECF244321}">
-                <p14:modId xmlns:p14="http://schemas.microsoft.com/office/powerpoint/2010/main" val="502962457"/>
-              </p:ext>
-            </p:extLst>
-          </p:nvPr>
-        </p:nvGraphicFramePr>
-        <p:xfrm>
-          <a:off x="1756270" y="2863516"/>
-          <a:ext cx="7517732" cy="3810156"/>
-        </p:xfrm>
-        <a:graphic>
-          <a:graphicData uri="http://schemas.openxmlformats.org/drawingml/2006/chart">
-            <c:chart xmlns:c="http://schemas.openxmlformats.org/drawingml/2006/chart" xmlns:r="http://schemas.openxmlformats.org/officeDocument/2006/relationships" r:id="rId3"/>
-          </a:graphicData>
-        </a:graphic>
-      </p:graphicFrame>
+          <a:p>
+            <a:endParaRPr lang="en-US" dirty="0"/>
+          </a:p>
+          <a:p>
+            <a:endParaRPr lang="en-US" dirty="0"/>
+          </a:p>
+        </p:txBody>
+      </p:sp>
     </p:spTree>
     <p:extLst>
       <p:ext uri="{BB962C8B-B14F-4D97-AF65-F5344CB8AC3E}">
-        <p14:creationId xmlns:p14="http://schemas.microsoft.com/office/powerpoint/2010/main" val="434119323"/>
+        <p14:creationId xmlns:p14="http://schemas.microsoft.com/office/powerpoint/2010/main" val="134686894"/>
       </p:ext>
     </p:extLst>
   </p:cSld>
@@ -9982,7 +8589,7 @@
           <a:p>
             <a:r>
               <a:rPr lang="en-US" dirty="0"/>
-              <a:t>OBJECTIVES</a:t>
+              <a:t>BACKGROUND</a:t>
             </a:r>
           </a:p>
         </p:txBody>
@@ -9999,47 +8606,29 @@
         </p:nvSpPr>
         <p:spPr>
           <a:xfrm>
-            <a:off x="677334" y="1703137"/>
-            <a:ext cx="8596668" cy="5588000"/>
-          </a:xfrm>
-        </p:spPr>
-        <p:txBody>
-          <a:bodyPr>
-            <a:normAutofit/>
-          </a:bodyPr>
-          <a:lstStyle/>
-          <a:p>
-            <a:r>
-              <a:rPr lang="en-US" sz="2800" dirty="0"/>
-              <a:t>Will analyzing 30 days of Twitter sentiments provide insight into stock market index performance?</a:t>
-            </a:r>
-          </a:p>
-          <a:p>
-            <a:pPr lvl="1"/>
-            <a:r>
-              <a:rPr lang="en-US" sz="2200" dirty="0"/>
-              <a:t>Which stock index appears to be the most influenced by sentiments?</a:t>
-            </a:r>
-          </a:p>
-          <a:p>
-            <a:pPr lvl="1"/>
-            <a:r>
-              <a:rPr lang="en-US" sz="2200" dirty="0"/>
-              <a:t>Which news source provides the most accurate sentiment per index?</a:t>
-            </a:r>
-          </a:p>
-          <a:p>
-            <a:r>
-              <a:rPr lang="en-US" sz="2800" dirty="0"/>
-              <a:t>Does Vader or </a:t>
-            </a:r>
-            <a:r>
-              <a:rPr lang="en-US" sz="2800" dirty="0" err="1"/>
-              <a:t>TextBlob</a:t>
-            </a:r>
-            <a:r>
-              <a:rPr lang="en-US" sz="2800" dirty="0"/>
-              <a:t> provide a better stock prediction when related to Twitter sentiment?</a:t>
+            <a:off x="677334" y="1270000"/>
+            <a:ext cx="8596668" cy="3880773"/>
+          </a:xfrm>
+        </p:spPr>
+        <p:txBody>
+          <a:bodyPr/>
+          <a:lstStyle/>
+          <a:p>
+            <a:r>
+              <a:rPr lang="en-US" dirty="0"/>
+              <a:t>Sentiment analysis is a growing science!</a:t>
+            </a:r>
+          </a:p>
+          <a:p>
+            <a:r>
+              <a:rPr lang="en-US" dirty="0"/>
+              <a:t>99% of research papers regarding sentiment analysis have been published after 2004</a:t>
+            </a:r>
+          </a:p>
+          <a:p>
+            <a:r>
+              <a:rPr lang="en-US" dirty="0"/>
+              <a:t>Recent research has focused on using sentiment analysis for stock market predictions</a:t>
             </a:r>
           </a:p>
           <a:p>
@@ -10047,10 +8636,40 @@
           </a:p>
         </p:txBody>
       </p:sp>
+      <p:pic>
+        <p:nvPicPr>
+          <p:cNvPr id="6" name="Picture 5">
+            <a:extLst>
+              <a:ext uri="{FF2B5EF4-FFF2-40B4-BE49-F238E27FC236}">
+                <a16:creationId xmlns:a16="http://schemas.microsoft.com/office/drawing/2014/main" id="{AB53A786-9B0D-C147-9AEA-B396131D520F}"/>
+              </a:ext>
+            </a:extLst>
+          </p:cNvPr>
+          <p:cNvPicPr>
+            <a:picLocks noChangeAspect="1"/>
+          </p:cNvPicPr>
+          <p:nvPr/>
+        </p:nvPicPr>
+        <p:blipFill>
+          <a:blip r:embed="rId3"/>
+          <a:stretch>
+            <a:fillRect/>
+          </a:stretch>
+        </p:blipFill>
+        <p:spPr>
+          <a:xfrm>
+            <a:off x="2372493" y="2735635"/>
+            <a:ext cx="7129850" cy="4048223"/>
+          </a:xfrm>
+          <a:prstGeom prst="rect">
+            <a:avLst/>
+          </a:prstGeom>
+        </p:spPr>
+      </p:pic>
     </p:spTree>
     <p:extLst>
       <p:ext uri="{BB962C8B-B14F-4D97-AF65-F5344CB8AC3E}">
-        <p14:creationId xmlns:p14="http://schemas.microsoft.com/office/powerpoint/2010/main" val="1818019191"/>
+        <p14:creationId xmlns:p14="http://schemas.microsoft.com/office/powerpoint/2010/main" val="434119323"/>
       </p:ext>
     </p:extLst>
   </p:cSld>
@@ -10094,16 +8713,8 @@
           <a:p>
             <a:r>
               <a:rPr lang="en-US" dirty="0"/>
-              <a:t>METHODS</a:t>
-            </a:r>
-            <a:br>
-              <a:rPr lang="en-US" dirty="0"/>
-            </a:br>
-            <a:r>
-              <a:rPr lang="en-US" sz="2800" i="1" dirty="0"/>
-              <a:t>STOCK MARKET DATA</a:t>
-            </a:r>
-            <a:endParaRPr lang="en-US" i="1" dirty="0"/>
+              <a:t>OBJECTIVES</a:t>
+            </a:r>
           </a:p>
         </p:txBody>
       </p:sp>
@@ -10119,115 +8730,58 @@
         </p:nvSpPr>
         <p:spPr>
           <a:xfrm>
-            <a:off x="684685" y="1690408"/>
-            <a:ext cx="8314936" cy="5135525"/>
+            <a:off x="677334" y="1703137"/>
+            <a:ext cx="8596668" cy="5588000"/>
           </a:xfrm>
         </p:spPr>
         <p:txBody>
           <a:bodyPr>
-            <a:noAutofit/>
+            <a:normAutofit/>
           </a:bodyPr>
           <a:lstStyle/>
           <a:p>
             <a:r>
-              <a:rPr lang="en-US" sz="2000" dirty="0"/>
-              <a:t>API </a:t>
-            </a:r>
-            <a:r>
-              <a:rPr lang="mr-IN" sz="2000" dirty="0"/>
-              <a:t>–</a:t>
-            </a:r>
-            <a:r>
-              <a:rPr lang="en-US" sz="2000" dirty="0"/>
-              <a:t> Alpha Vantage (</a:t>
-            </a:r>
-            <a:r>
-              <a:rPr lang="en-US" sz="2000" dirty="0" err="1"/>
-              <a:t>www.alphavantage.com</a:t>
-            </a:r>
-            <a:r>
-              <a:rPr lang="en-US" sz="2000" dirty="0"/>
-              <a:t>)</a:t>
-            </a:r>
-          </a:p>
-          <a:p>
-            <a:r>
-              <a:rPr lang="en-US" sz="2000" dirty="0"/>
-              <a:t>Indices</a:t>
+              <a:rPr lang="en-US" sz="2800" dirty="0"/>
+              <a:t>Will analyzing 30 days of Twitter sentiments provide insight into stock market index performance?</a:t>
             </a:r>
           </a:p>
           <a:p>
             <a:pPr lvl="1"/>
             <a:r>
-              <a:rPr lang="en-US" sz="2000" dirty="0"/>
-              <a:t> </a:t>
-            </a:r>
-            <a:r>
-              <a:rPr lang="en-US" sz="1800" dirty="0"/>
-              <a:t>S&amp;P 500 Index (SPX)</a:t>
-            </a:r>
-          </a:p>
-          <a:p>
-            <a:pPr lvl="2"/>
-            <a:r>
-              <a:rPr lang="en-US" sz="1600" dirty="0"/>
-              <a:t>Based on market capitalizations of 500 large companies</a:t>
+              <a:rPr lang="en-US" sz="2200" dirty="0"/>
+              <a:t>Which stock index appears to be the most influenced by sentiments?</a:t>
             </a:r>
           </a:p>
           <a:p>
             <a:pPr lvl="1"/>
             <a:r>
-              <a:rPr lang="en-US" sz="1800" dirty="0"/>
-              <a:t>Dow Jones Industrial Average (DJI)</a:t>
-            </a:r>
-          </a:p>
-          <a:p>
-            <a:pPr lvl="2"/>
-            <a:r>
-              <a:rPr lang="en-US" sz="1600" dirty="0"/>
-              <a:t>Shows how 30 companies have traded during a standard stock market session</a:t>
-            </a:r>
-          </a:p>
-          <a:p>
-            <a:pPr lvl="1"/>
-            <a:r>
-              <a:rPr lang="en-US" sz="1800" dirty="0"/>
-              <a:t>NASDAQ-100 (NDX)</a:t>
-            </a:r>
-          </a:p>
-          <a:p>
-            <a:pPr lvl="2"/>
-            <a:r>
-              <a:rPr lang="en-US" sz="1600" dirty="0"/>
-              <a:t>Made of 104 equity securities issued by 100 of non-financial companies listed on the NASDAQ</a:t>
-            </a:r>
-          </a:p>
-          <a:p>
-            <a:r>
-              <a:rPr lang="en-US" sz="2000" dirty="0"/>
-              <a:t>Properties</a:t>
-            </a:r>
-          </a:p>
-          <a:p>
-            <a:pPr lvl="1"/>
-            <a:r>
-              <a:rPr lang="en-US" sz="2000" dirty="0"/>
-              <a:t>Price</a:t>
-            </a:r>
-          </a:p>
-          <a:p>
-            <a:pPr lvl="1"/>
-            <a:r>
-              <a:rPr lang="en-US" sz="2000" dirty="0"/>
-              <a:t>Volume</a:t>
-            </a:r>
+              <a:rPr lang="en-US" sz="2200" dirty="0"/>
+              <a:t>Which news source provides the most accurate sentiment per index?</a:t>
+            </a:r>
+          </a:p>
+          <a:p>
+            <a:r>
+              <a:rPr lang="en-US" sz="2800" dirty="0"/>
+              <a:t>Does Vader or </a:t>
+            </a:r>
+            <a:r>
+              <a:rPr lang="en-US" sz="2800" dirty="0" err="1"/>
+              <a:t>TextBlob</a:t>
+            </a:r>
+            <a:r>
+              <a:rPr lang="en-US" sz="2800" dirty="0"/>
+              <a:t> provide a better stock prediction when related to Twitter sentiment?</a:t>
+            </a:r>
+          </a:p>
+          <a:p>
+            <a:endParaRPr lang="en-US" dirty="0"/>
           </a:p>
         </p:txBody>
       </p:sp>
     </p:spTree>
     <p:extLst>
       <p:ext uri="{BB962C8B-B14F-4D97-AF65-F5344CB8AC3E}">
-        <p14:creationId xmlns:p14="http://schemas.microsoft.com/office/powerpoint/2010/main" val="1401441021"/>
+        <p14:creationId xmlns:p14="http://schemas.microsoft.com/office/powerpoint/2010/main" val="1818019191"/>
       </p:ext>
     </p:extLst>
   </p:cSld>
@@ -10256,6 +8810,183 @@
       </p:grpSpPr>
       <p:sp>
         <p:nvSpPr>
+          <p:cNvPr id="2" name="Title 1"/>
+          <p:cNvSpPr>
+            <a:spLocks noGrp="1"/>
+          </p:cNvSpPr>
+          <p:nvPr>
+            <p:ph type="title"/>
+          </p:nvPr>
+        </p:nvSpPr>
+        <p:spPr/>
+        <p:txBody>
+          <a:bodyPr/>
+          <a:lstStyle/>
+          <a:p>
+            <a:r>
+              <a:rPr lang="en-US" dirty="0"/>
+              <a:t>METHODS</a:t>
+            </a:r>
+            <a:br>
+              <a:rPr lang="en-US" dirty="0"/>
+            </a:br>
+            <a:r>
+              <a:rPr lang="en-US" sz="2800" i="1" dirty="0"/>
+              <a:t>STOCK MARKET DATA</a:t>
+            </a:r>
+            <a:endParaRPr lang="en-US" i="1" dirty="0"/>
+          </a:p>
+        </p:txBody>
+      </p:sp>
+      <p:sp>
+        <p:nvSpPr>
+          <p:cNvPr id="3" name="Content Placeholder 2"/>
+          <p:cNvSpPr>
+            <a:spLocks noGrp="1"/>
+          </p:cNvSpPr>
+          <p:nvPr>
+            <p:ph idx="1"/>
+          </p:nvPr>
+        </p:nvSpPr>
+        <p:spPr>
+          <a:xfrm>
+            <a:off x="684685" y="1690408"/>
+            <a:ext cx="8314936" cy="5135525"/>
+          </a:xfrm>
+        </p:spPr>
+        <p:txBody>
+          <a:bodyPr>
+            <a:noAutofit/>
+          </a:bodyPr>
+          <a:lstStyle/>
+          <a:p>
+            <a:r>
+              <a:rPr lang="en-US" sz="2000" dirty="0"/>
+              <a:t>API </a:t>
+            </a:r>
+            <a:r>
+              <a:rPr lang="mr-IN" sz="2000" dirty="0"/>
+              <a:t>–</a:t>
+            </a:r>
+            <a:r>
+              <a:rPr lang="en-US" sz="2000" dirty="0"/>
+              <a:t> Alpha Vantage (</a:t>
+            </a:r>
+            <a:r>
+              <a:rPr lang="en-US" sz="2000" dirty="0" err="1"/>
+              <a:t>www.alphavantage.com</a:t>
+            </a:r>
+            <a:r>
+              <a:rPr lang="en-US" sz="2000" dirty="0"/>
+              <a:t>)</a:t>
+            </a:r>
+          </a:p>
+          <a:p>
+            <a:r>
+              <a:rPr lang="en-US" sz="2000" dirty="0"/>
+              <a:t>Indices</a:t>
+            </a:r>
+          </a:p>
+          <a:p>
+            <a:pPr lvl="1"/>
+            <a:r>
+              <a:rPr lang="en-US" sz="2000" dirty="0"/>
+              <a:t> </a:t>
+            </a:r>
+            <a:r>
+              <a:rPr lang="en-US" sz="1800" dirty="0"/>
+              <a:t>S&amp;P 500 Index (SPX)</a:t>
+            </a:r>
+          </a:p>
+          <a:p>
+            <a:pPr lvl="2"/>
+            <a:r>
+              <a:rPr lang="en-US" sz="1600" dirty="0"/>
+              <a:t>Based on market capitalizations of 500 large companies</a:t>
+            </a:r>
+          </a:p>
+          <a:p>
+            <a:pPr lvl="1"/>
+            <a:r>
+              <a:rPr lang="en-US" sz="1800" dirty="0"/>
+              <a:t>Dow Jones Industrial Average (DJI)</a:t>
+            </a:r>
+          </a:p>
+          <a:p>
+            <a:pPr lvl="2"/>
+            <a:r>
+              <a:rPr lang="en-US" sz="1600" dirty="0"/>
+              <a:t>Shows how 30 companies have traded during a standard stock market session</a:t>
+            </a:r>
+          </a:p>
+          <a:p>
+            <a:pPr lvl="1"/>
+            <a:r>
+              <a:rPr lang="en-US" sz="1800" dirty="0"/>
+              <a:t>NASDAQ-100 (NDX)</a:t>
+            </a:r>
+          </a:p>
+          <a:p>
+            <a:pPr lvl="2"/>
+            <a:r>
+              <a:rPr lang="en-US" sz="1600" dirty="0"/>
+              <a:t>Made of 104 equity securities issued by 100 of non-financial companies listed on the NASDAQ</a:t>
+            </a:r>
+          </a:p>
+          <a:p>
+            <a:r>
+              <a:rPr lang="en-US" sz="2000" dirty="0"/>
+              <a:t>Properties</a:t>
+            </a:r>
+          </a:p>
+          <a:p>
+            <a:pPr lvl="1"/>
+            <a:r>
+              <a:rPr lang="en-US" sz="2000" dirty="0"/>
+              <a:t>Price</a:t>
+            </a:r>
+          </a:p>
+          <a:p>
+            <a:pPr lvl="1"/>
+            <a:r>
+              <a:rPr lang="en-US" sz="2000" dirty="0"/>
+              <a:t>Volume</a:t>
+            </a:r>
+          </a:p>
+        </p:txBody>
+      </p:sp>
+    </p:spTree>
+    <p:extLst>
+      <p:ext uri="{BB962C8B-B14F-4D97-AF65-F5344CB8AC3E}">
+        <p14:creationId xmlns:p14="http://schemas.microsoft.com/office/powerpoint/2010/main" val="1401441021"/>
+      </p:ext>
+    </p:extLst>
+  </p:cSld>
+  <p:clrMapOvr>
+    <a:masterClrMapping/>
+  </p:clrMapOvr>
+</p:sld>
+</file>
+
+<file path=ppt/slides/slide7.xml><?xml version="1.0" encoding="utf-8"?>
+<p:sld xmlns:a="http://schemas.openxmlformats.org/drawingml/2006/main" xmlns:r="http://schemas.openxmlformats.org/officeDocument/2006/relationships" xmlns:p="http://schemas.openxmlformats.org/presentationml/2006/main">
+  <p:cSld>
+    <p:spTree>
+      <p:nvGrpSpPr>
+        <p:cNvPr id="1" name=""/>
+        <p:cNvGrpSpPr/>
+        <p:nvPr/>
+      </p:nvGrpSpPr>
+      <p:grpSpPr>
+        <a:xfrm>
+          <a:off x="0" y="0"/>
+          <a:ext cx="0" cy="0"/>
+          <a:chOff x="0" y="0"/>
+          <a:chExt cx="0" cy="0"/>
+        </a:xfrm>
+      </p:grpSpPr>
+      <p:sp>
+        <p:nvSpPr>
           <p:cNvPr id="3" name="Content Placeholder 2"/>
           <p:cNvSpPr>
             <a:spLocks noGrp="1"/>
@@ -10661,7 +9392,7 @@
 </p:sld>
 </file>
 
-<file path=ppt/slides/slide7.xml><?xml version="1.0" encoding="utf-8"?>
+<file path=ppt/slides/slide8.xml><?xml version="1.0" encoding="utf-8"?>
 <p:sld xmlns:a="http://schemas.openxmlformats.org/drawingml/2006/main" xmlns:r="http://schemas.openxmlformats.org/officeDocument/2006/relationships" xmlns:p="http://schemas.openxmlformats.org/presentationml/2006/main">
   <p:cSld>
     <p:spTree>
@@ -10817,275 +9548,6 @@
     <p:extLst>
       <p:ext uri="{BB962C8B-B14F-4D97-AF65-F5344CB8AC3E}">
         <p14:creationId xmlns:p14="http://schemas.microsoft.com/office/powerpoint/2010/main" val="247906785"/>
-      </p:ext>
-    </p:extLst>
-  </p:cSld>
-  <p:clrMapOvr>
-    <a:masterClrMapping/>
-  </p:clrMapOvr>
-</p:sld>
-</file>
-
-<file path=ppt/slides/slide8.xml><?xml version="1.0" encoding="utf-8"?>
-<p:sld xmlns:a="http://schemas.openxmlformats.org/drawingml/2006/main" xmlns:r="http://schemas.openxmlformats.org/officeDocument/2006/relationships" xmlns:p="http://schemas.openxmlformats.org/presentationml/2006/main">
-  <p:cSld>
-    <p:spTree>
-      <p:nvGrpSpPr>
-        <p:cNvPr id="1" name=""/>
-        <p:cNvGrpSpPr/>
-        <p:nvPr/>
-      </p:nvGrpSpPr>
-      <p:grpSpPr>
-        <a:xfrm>
-          <a:off x="0" y="0"/>
-          <a:ext cx="0" cy="0"/>
-          <a:chOff x="0" y="0"/>
-          <a:chExt cx="0" cy="0"/>
-        </a:xfrm>
-      </p:grpSpPr>
-      <p:sp>
-        <p:nvSpPr>
-          <p:cNvPr id="2" name="Title 1"/>
-          <p:cNvSpPr>
-            <a:spLocks noGrp="1"/>
-          </p:cNvSpPr>
-          <p:nvPr>
-            <p:ph type="title"/>
-          </p:nvPr>
-        </p:nvSpPr>
-        <p:spPr/>
-        <p:txBody>
-          <a:bodyPr/>
-          <a:lstStyle/>
-          <a:p>
-            <a:r>
-              <a:rPr lang="en-US" dirty="0"/>
-              <a:t>VISUALIZATION</a:t>
-            </a:r>
-            <a:br>
-              <a:rPr lang="en-US" dirty="0"/>
-            </a:br>
-            <a:r>
-              <a:rPr lang="en-US" sz="2800" i="1" dirty="0"/>
-              <a:t>Sentiment Analysis</a:t>
-            </a:r>
-          </a:p>
-        </p:txBody>
-      </p:sp>
-      <p:pic>
-        <p:nvPicPr>
-          <p:cNvPr id="12" name="Picture 11"/>
-          <p:cNvPicPr>
-            <a:picLocks noChangeAspect="1"/>
-          </p:cNvPicPr>
-          <p:nvPr/>
-        </p:nvPicPr>
-        <p:blipFill>
-          <a:blip r:embed="rId2">
-            <a:extLst>
-              <a:ext uri="{28A0092B-C50C-407E-A947-70E740481C1C}">
-                <a14:useLocalDpi xmlns:a14="http://schemas.microsoft.com/office/drawing/2010/main" val="0"/>
-              </a:ext>
-            </a:extLst>
-          </a:blip>
-          <a:stretch>
-            <a:fillRect/>
-          </a:stretch>
-        </p:blipFill>
-        <p:spPr>
-          <a:xfrm>
-            <a:off x="484170" y="4242101"/>
-            <a:ext cx="3524577" cy="2514741"/>
-          </a:xfrm>
-          <a:prstGeom prst="rect">
-            <a:avLst/>
-          </a:prstGeom>
-          <a:ln>
-            <a:solidFill>
-              <a:schemeClr val="tx1"/>
-            </a:solidFill>
-          </a:ln>
-        </p:spPr>
-      </p:pic>
-      <p:pic>
-        <p:nvPicPr>
-          <p:cNvPr id="13" name="Picture 12"/>
-          <p:cNvPicPr>
-            <a:picLocks noChangeAspect="1"/>
-          </p:cNvPicPr>
-          <p:nvPr/>
-        </p:nvPicPr>
-        <p:blipFill>
-          <a:blip r:embed="rId3">
-            <a:extLst>
-              <a:ext uri="{28A0092B-C50C-407E-A947-70E740481C1C}">
-                <a14:useLocalDpi xmlns:a14="http://schemas.microsoft.com/office/drawing/2010/main" val="0"/>
-              </a:ext>
-            </a:extLst>
-          </a:blip>
-          <a:stretch>
-            <a:fillRect/>
-          </a:stretch>
-        </p:blipFill>
-        <p:spPr>
-          <a:xfrm>
-            <a:off x="4304274" y="4241914"/>
-            <a:ext cx="3524577" cy="2514929"/>
-          </a:xfrm>
-          <a:prstGeom prst="rect">
-            <a:avLst/>
-          </a:prstGeom>
-          <a:ln>
-            <a:solidFill>
-              <a:schemeClr val="tx1"/>
-            </a:solidFill>
-          </a:ln>
-        </p:spPr>
-      </p:pic>
-      <p:pic>
-        <p:nvPicPr>
-          <p:cNvPr id="11" name="Picture 10"/>
-          <p:cNvPicPr>
-            <a:picLocks noChangeAspect="1"/>
-          </p:cNvPicPr>
-          <p:nvPr/>
-        </p:nvPicPr>
-        <p:blipFill>
-          <a:blip r:embed="rId4">
-            <a:extLst>
-              <a:ext uri="{28A0092B-C50C-407E-A947-70E740481C1C}">
-                <a14:useLocalDpi xmlns:a14="http://schemas.microsoft.com/office/drawing/2010/main" val="0"/>
-              </a:ext>
-            </a:extLst>
-          </a:blip>
-          <a:stretch>
-            <a:fillRect/>
-          </a:stretch>
-        </p:blipFill>
-        <p:spPr>
-          <a:xfrm>
-            <a:off x="8132063" y="4241914"/>
-            <a:ext cx="3524577" cy="2514928"/>
-          </a:xfrm>
-          <a:prstGeom prst="rect">
-            <a:avLst/>
-          </a:prstGeom>
-          <a:ln>
-            <a:solidFill>
-              <a:schemeClr val="tx1"/>
-            </a:solidFill>
-          </a:ln>
-        </p:spPr>
-      </p:pic>
-      <p:pic>
-        <p:nvPicPr>
-          <p:cNvPr id="10" name="Picture 9"/>
-          <p:cNvPicPr>
-            <a:picLocks noChangeAspect="1"/>
-          </p:cNvPicPr>
-          <p:nvPr/>
-        </p:nvPicPr>
-        <p:blipFill>
-          <a:blip r:embed="rId5">
-            <a:extLst>
-              <a:ext uri="{28A0092B-C50C-407E-A947-70E740481C1C}">
-                <a14:useLocalDpi xmlns:a14="http://schemas.microsoft.com/office/drawing/2010/main" val="0"/>
-              </a:ext>
-            </a:extLst>
-          </a:blip>
-          <a:stretch>
-            <a:fillRect/>
-          </a:stretch>
-        </p:blipFill>
-        <p:spPr>
-          <a:xfrm>
-            <a:off x="484170" y="1657397"/>
-            <a:ext cx="3524577" cy="2514740"/>
-          </a:xfrm>
-          <a:prstGeom prst="rect">
-            <a:avLst/>
-          </a:prstGeom>
-          <a:ln>
-            <a:solidFill>
-              <a:schemeClr val="tx1"/>
-            </a:solidFill>
-          </a:ln>
-        </p:spPr>
-      </p:pic>
-      <p:pic>
-        <p:nvPicPr>
-          <p:cNvPr id="9" name="Picture 8"/>
-          <p:cNvPicPr>
-            <a:picLocks noChangeAspect="1"/>
-          </p:cNvPicPr>
-          <p:nvPr/>
-        </p:nvPicPr>
-        <p:blipFill>
-          <a:blip r:embed="rId6">
-            <a:extLst>
-              <a:ext uri="{28A0092B-C50C-407E-A947-70E740481C1C}">
-                <a14:useLocalDpi xmlns:a14="http://schemas.microsoft.com/office/drawing/2010/main" val="0"/>
-              </a:ext>
-            </a:extLst>
-          </a:blip>
-          <a:stretch>
-            <a:fillRect/>
-          </a:stretch>
-        </p:blipFill>
-        <p:spPr>
-          <a:xfrm>
-            <a:off x="4308116" y="1657210"/>
-            <a:ext cx="3524577" cy="2514740"/>
-          </a:xfrm>
-          <a:prstGeom prst="rect">
-            <a:avLst/>
-          </a:prstGeom>
-          <a:ln>
-            <a:solidFill>
-              <a:schemeClr val="tx1"/>
-            </a:solidFill>
-          </a:ln>
-        </p:spPr>
-      </p:pic>
-      <p:pic>
-        <p:nvPicPr>
-          <p:cNvPr id="3" name="Picture 2"/>
-          <p:cNvPicPr>
-            <a:picLocks noChangeAspect="1"/>
-          </p:cNvPicPr>
-          <p:nvPr/>
-        </p:nvPicPr>
-        <p:blipFill>
-          <a:blip r:embed="rId7">
-            <a:extLst>
-              <a:ext uri="{28A0092B-C50C-407E-A947-70E740481C1C}">
-                <a14:useLocalDpi xmlns:a14="http://schemas.microsoft.com/office/drawing/2010/main" val="0"/>
-              </a:ext>
-            </a:extLst>
-          </a:blip>
-          <a:stretch>
-            <a:fillRect/>
-          </a:stretch>
-        </p:blipFill>
-        <p:spPr>
-          <a:xfrm>
-            <a:off x="8132062" y="1657210"/>
-            <a:ext cx="3524578" cy="2514740"/>
-          </a:xfrm>
-          <a:prstGeom prst="rect">
-            <a:avLst/>
-          </a:prstGeom>
-          <a:ln>
-            <a:solidFill>
-              <a:schemeClr val="tx1"/>
-            </a:solidFill>
-          </a:ln>
-        </p:spPr>
-      </p:pic>
-    </p:spTree>
-    <p:extLst>
-      <p:ext uri="{BB962C8B-B14F-4D97-AF65-F5344CB8AC3E}">
-        <p14:creationId xmlns:p14="http://schemas.microsoft.com/office/powerpoint/2010/main" val="451060315"/>
       </p:ext>
     </p:extLst>
   </p:cSld>
@@ -11124,9 +9586,7 @@
         </p:nvSpPr>
         <p:spPr/>
         <p:txBody>
-          <a:bodyPr>
-            <a:normAutofit/>
-          </a:bodyPr>
+          <a:bodyPr/>
           <a:lstStyle/>
           <a:p>
             <a:r>
@@ -11138,23 +9598,49 @@
             </a:br>
             <a:r>
               <a:rPr lang="en-US" sz="2800" i="1" dirty="0"/>
-              <a:t>Price and Volume with Sentiments (</a:t>
-            </a:r>
-            <a:r>
-              <a:rPr lang="en-US" sz="2800" i="1" dirty="0" err="1"/>
-              <a:t>TextBlob</a:t>
-            </a:r>
-            <a:r>
-              <a:rPr lang="en-US" sz="2800" i="1" dirty="0"/>
-              <a:t>)</a:t>
-            </a:r>
-            <a:endParaRPr lang="en-US" sz="2800" dirty="0"/>
+              <a:t>Sentiment Analysis</a:t>
+            </a:r>
           </a:p>
         </p:txBody>
       </p:sp>
       <p:pic>
         <p:nvPicPr>
-          <p:cNvPr id="14" name="Picture 13"/>
+          <p:cNvPr id="12" name="Picture 11"/>
+          <p:cNvPicPr>
+            <a:picLocks noChangeAspect="1"/>
+          </p:cNvPicPr>
+          <p:nvPr/>
+        </p:nvPicPr>
+        <p:blipFill>
+          <a:blip r:embed="rId2">
+            <a:extLst>
+              <a:ext uri="{28A0092B-C50C-407E-A947-70E740481C1C}">
+                <a14:useLocalDpi xmlns:a14="http://schemas.microsoft.com/office/drawing/2010/main" val="0"/>
+              </a:ext>
+            </a:extLst>
+          </a:blip>
+          <a:stretch>
+            <a:fillRect/>
+          </a:stretch>
+        </p:blipFill>
+        <p:spPr>
+          <a:xfrm>
+            <a:off x="484170" y="4242101"/>
+            <a:ext cx="3524577" cy="2514741"/>
+          </a:xfrm>
+          <a:prstGeom prst="rect">
+            <a:avLst/>
+          </a:prstGeom>
+          <a:ln>
+            <a:solidFill>
+              <a:schemeClr val="tx1"/>
+            </a:solidFill>
+          </a:ln>
+        </p:spPr>
+      </p:pic>
+      <p:pic>
+        <p:nvPicPr>
+          <p:cNvPr id="13" name="Picture 12"/>
           <p:cNvPicPr>
             <a:picLocks noChangeAspect="1"/>
           </p:cNvPicPr>
@@ -11174,20 +9660,22 @@
         </p:blipFill>
         <p:spPr>
           <a:xfrm>
-            <a:off x="6982414" y="1633731"/>
-            <a:ext cx="2499360" cy="1666240"/>
+            <a:off x="4304274" y="4241914"/>
+            <a:ext cx="3524577" cy="2514929"/>
           </a:xfrm>
           <a:prstGeom prst="rect">
             <a:avLst/>
           </a:prstGeom>
           <a:ln>
-            <a:noFill/>
+            <a:solidFill>
+              <a:schemeClr val="tx1"/>
+            </a:solidFill>
           </a:ln>
         </p:spPr>
       </p:pic>
       <p:pic>
         <p:nvPicPr>
-          <p:cNvPr id="15" name="Picture 14"/>
+          <p:cNvPr id="11" name="Picture 10"/>
           <p:cNvPicPr>
             <a:picLocks noChangeAspect="1"/>
           </p:cNvPicPr>
@@ -11207,20 +9695,22 @@
         </p:blipFill>
         <p:spPr>
           <a:xfrm>
-            <a:off x="7006798" y="5133343"/>
-            <a:ext cx="2499360" cy="1666240"/>
+            <a:off x="8132063" y="4241914"/>
+            <a:ext cx="3524577" cy="2514928"/>
           </a:xfrm>
           <a:prstGeom prst="rect">
             <a:avLst/>
           </a:prstGeom>
           <a:ln>
-            <a:noFill/>
+            <a:solidFill>
+              <a:schemeClr val="tx1"/>
+            </a:solidFill>
           </a:ln>
         </p:spPr>
       </p:pic>
       <p:pic>
         <p:nvPicPr>
-          <p:cNvPr id="16" name="Picture 15"/>
+          <p:cNvPr id="10" name="Picture 9"/>
           <p:cNvPicPr>
             <a:picLocks noChangeAspect="1"/>
           </p:cNvPicPr>
@@ -11240,20 +9730,22 @@
         </p:blipFill>
         <p:spPr>
           <a:xfrm>
-            <a:off x="6982414" y="3386329"/>
-            <a:ext cx="2499360" cy="1666240"/>
+            <a:off x="484170" y="1657397"/>
+            <a:ext cx="3524577" cy="2514740"/>
           </a:xfrm>
           <a:prstGeom prst="rect">
             <a:avLst/>
           </a:prstGeom>
           <a:ln>
-            <a:noFill/>
+            <a:solidFill>
+              <a:schemeClr val="tx1"/>
+            </a:solidFill>
           </a:ln>
         </p:spPr>
       </p:pic>
       <p:pic>
         <p:nvPicPr>
-          <p:cNvPr id="17" name="Picture 16"/>
+          <p:cNvPr id="9" name="Picture 8"/>
           <p:cNvPicPr>
             <a:picLocks noChangeAspect="1"/>
           </p:cNvPicPr>
@@ -11273,20 +9765,22 @@
         </p:blipFill>
         <p:spPr>
           <a:xfrm>
-            <a:off x="3829304" y="1633731"/>
-            <a:ext cx="2499360" cy="1666240"/>
+            <a:off x="4308116" y="1657210"/>
+            <a:ext cx="3524577" cy="2514740"/>
           </a:xfrm>
           <a:prstGeom prst="rect">
             <a:avLst/>
           </a:prstGeom>
           <a:ln>
-            <a:noFill/>
+            <a:solidFill>
+              <a:schemeClr val="tx1"/>
+            </a:solidFill>
           </a:ln>
         </p:spPr>
       </p:pic>
       <p:pic>
         <p:nvPicPr>
-          <p:cNvPr id="18" name="Picture 17"/>
+          <p:cNvPr id="3" name="Picture 2"/>
           <p:cNvPicPr>
             <a:picLocks noChangeAspect="1"/>
           </p:cNvPicPr>
@@ -11306,441 +9800,23 @@
         </p:blipFill>
         <p:spPr>
           <a:xfrm>
-            <a:off x="3832860" y="3391919"/>
-            <a:ext cx="2499360" cy="1666240"/>
+            <a:off x="8132062" y="1657210"/>
+            <a:ext cx="3524578" cy="2514740"/>
           </a:xfrm>
           <a:prstGeom prst="rect">
             <a:avLst/>
           </a:prstGeom>
           <a:ln>
-            <a:noFill/>
+            <a:solidFill>
+              <a:schemeClr val="tx1"/>
+            </a:solidFill>
           </a:ln>
         </p:spPr>
       </p:pic>
-      <p:pic>
-        <p:nvPicPr>
-          <p:cNvPr id="19" name="Picture 18"/>
-          <p:cNvPicPr>
-            <a:picLocks noChangeAspect="1"/>
-          </p:cNvPicPr>
-          <p:nvPr/>
-        </p:nvPicPr>
-        <p:blipFill>
-          <a:blip r:embed="rId8">
-            <a:extLst>
-              <a:ext uri="{28A0092B-C50C-407E-A947-70E740481C1C}">
-                <a14:useLocalDpi xmlns:a14="http://schemas.microsoft.com/office/drawing/2010/main" val="0"/>
-              </a:ext>
-            </a:extLst>
-          </a:blip>
-          <a:stretch>
-            <a:fillRect/>
-          </a:stretch>
-        </p:blipFill>
-        <p:spPr>
-          <a:xfrm>
-            <a:off x="3829304" y="5133343"/>
-            <a:ext cx="2499360" cy="1666240"/>
-          </a:xfrm>
-          <a:prstGeom prst="rect">
-            <a:avLst/>
-          </a:prstGeom>
-          <a:ln>
-            <a:noFill/>
-          </a:ln>
-        </p:spPr>
-      </p:pic>
-      <p:pic>
-        <p:nvPicPr>
-          <p:cNvPr id="20" name="Picture 19"/>
-          <p:cNvPicPr>
-            <a:picLocks noChangeAspect="1"/>
-          </p:cNvPicPr>
-          <p:nvPr/>
-        </p:nvPicPr>
-        <p:blipFill>
-          <a:blip r:embed="rId9">
-            <a:extLst>
-              <a:ext uri="{28A0092B-C50C-407E-A947-70E740481C1C}">
-                <a14:useLocalDpi xmlns:a14="http://schemas.microsoft.com/office/drawing/2010/main" val="0"/>
-              </a:ext>
-            </a:extLst>
-          </a:blip>
-          <a:stretch>
-            <a:fillRect/>
-          </a:stretch>
-        </p:blipFill>
-        <p:spPr>
-          <a:xfrm>
-            <a:off x="821990" y="1633731"/>
-            <a:ext cx="2499360" cy="1666240"/>
-          </a:xfrm>
-          <a:prstGeom prst="rect">
-            <a:avLst/>
-          </a:prstGeom>
-          <a:ln>
-            <a:noFill/>
-          </a:ln>
-        </p:spPr>
-      </p:pic>
-      <p:pic>
-        <p:nvPicPr>
-          <p:cNvPr id="21" name="Picture 20"/>
-          <p:cNvPicPr>
-            <a:picLocks noChangeAspect="1"/>
-          </p:cNvPicPr>
-          <p:nvPr/>
-        </p:nvPicPr>
-        <p:blipFill>
-          <a:blip r:embed="rId10">
-            <a:extLst>
-              <a:ext uri="{28A0092B-C50C-407E-A947-70E740481C1C}">
-                <a14:useLocalDpi xmlns:a14="http://schemas.microsoft.com/office/drawing/2010/main" val="0"/>
-              </a:ext>
-            </a:extLst>
-          </a:blip>
-          <a:stretch>
-            <a:fillRect/>
-          </a:stretch>
-        </p:blipFill>
-        <p:spPr>
-          <a:xfrm>
-            <a:off x="821990" y="3387854"/>
-            <a:ext cx="2499360" cy="1666240"/>
-          </a:xfrm>
-          <a:prstGeom prst="rect">
-            <a:avLst/>
-          </a:prstGeom>
-          <a:ln>
-            <a:noFill/>
-          </a:ln>
-        </p:spPr>
-      </p:pic>
-      <p:pic>
-        <p:nvPicPr>
-          <p:cNvPr id="22" name="Picture 21"/>
-          <p:cNvPicPr>
-            <a:picLocks noChangeAspect="1"/>
-          </p:cNvPicPr>
-          <p:nvPr/>
-        </p:nvPicPr>
-        <p:blipFill>
-          <a:blip r:embed="rId11">
-            <a:extLst>
-              <a:ext uri="{28A0092B-C50C-407E-A947-70E740481C1C}">
-                <a14:useLocalDpi xmlns:a14="http://schemas.microsoft.com/office/drawing/2010/main" val="0"/>
-              </a:ext>
-            </a:extLst>
-          </a:blip>
-          <a:stretch>
-            <a:fillRect/>
-          </a:stretch>
-        </p:blipFill>
-        <p:spPr>
-          <a:xfrm>
-            <a:off x="829056" y="5133343"/>
-            <a:ext cx="2499360" cy="1666240"/>
-          </a:xfrm>
-          <a:prstGeom prst="rect">
-            <a:avLst/>
-          </a:prstGeom>
-          <a:ln>
-            <a:noFill/>
-          </a:ln>
-        </p:spPr>
-      </p:pic>
-      <p:sp>
-        <p:nvSpPr>
-          <p:cNvPr id="23" name="TextBox 22"/>
-          <p:cNvSpPr txBox="1"/>
-          <p:nvPr/>
-        </p:nvSpPr>
-        <p:spPr>
-          <a:xfrm rot="16200000">
-            <a:off x="597408" y="2275815"/>
-            <a:ext cx="463296" cy="215444"/>
-          </a:xfrm>
-          <a:prstGeom prst="rect">
-            <a:avLst/>
-          </a:prstGeom>
-          <a:solidFill>
-            <a:schemeClr val="bg1"/>
-          </a:solidFill>
-        </p:spPr>
-        <p:txBody>
-          <a:bodyPr wrap="square" rtlCol="0">
-            <a:spAutoFit/>
-          </a:bodyPr>
-          <a:lstStyle/>
-          <a:p>
-            <a:pPr algn="ctr"/>
-            <a:r>
-              <a:rPr lang="en-US" sz="800" dirty="0"/>
-              <a:t>Price</a:t>
-            </a:r>
-          </a:p>
-        </p:txBody>
-      </p:sp>
-      <p:sp>
-        <p:nvSpPr>
-          <p:cNvPr id="24" name="TextBox 23"/>
-          <p:cNvSpPr txBox="1"/>
-          <p:nvPr/>
-        </p:nvSpPr>
-        <p:spPr>
-          <a:xfrm rot="16200000">
-            <a:off x="3647922" y="2269720"/>
-            <a:ext cx="463296" cy="215444"/>
-          </a:xfrm>
-          <a:prstGeom prst="rect">
-            <a:avLst/>
-          </a:prstGeom>
-          <a:solidFill>
-            <a:schemeClr val="bg1"/>
-          </a:solidFill>
-        </p:spPr>
-        <p:txBody>
-          <a:bodyPr wrap="square" rtlCol="0">
-            <a:spAutoFit/>
-          </a:bodyPr>
-          <a:lstStyle/>
-          <a:p>
-            <a:pPr algn="ctr"/>
-            <a:r>
-              <a:rPr lang="en-US" sz="800" dirty="0"/>
-              <a:t>Price</a:t>
-            </a:r>
-          </a:p>
-        </p:txBody>
-      </p:sp>
-      <p:sp>
-        <p:nvSpPr>
-          <p:cNvPr id="25" name="TextBox 24"/>
-          <p:cNvSpPr txBox="1"/>
-          <p:nvPr/>
-        </p:nvSpPr>
-        <p:spPr>
-          <a:xfrm rot="16200000">
-            <a:off x="6762958" y="2269719"/>
-            <a:ext cx="463296" cy="215444"/>
-          </a:xfrm>
-          <a:prstGeom prst="rect">
-            <a:avLst/>
-          </a:prstGeom>
-          <a:solidFill>
-            <a:schemeClr val="bg1"/>
-          </a:solidFill>
-        </p:spPr>
-        <p:txBody>
-          <a:bodyPr wrap="square" rtlCol="0">
-            <a:spAutoFit/>
-          </a:bodyPr>
-          <a:lstStyle/>
-          <a:p>
-            <a:pPr algn="ctr"/>
-            <a:r>
-              <a:rPr lang="en-US" sz="800" dirty="0"/>
-              <a:t>Price</a:t>
-            </a:r>
-          </a:p>
-        </p:txBody>
-      </p:sp>
-      <p:sp>
-        <p:nvSpPr>
-          <p:cNvPr id="26" name="TextBox 25"/>
-          <p:cNvSpPr txBox="1"/>
-          <p:nvPr/>
-        </p:nvSpPr>
-        <p:spPr>
-          <a:xfrm rot="16200000">
-            <a:off x="6762958" y="3984732"/>
-            <a:ext cx="463296" cy="215444"/>
-          </a:xfrm>
-          <a:prstGeom prst="rect">
-            <a:avLst/>
-          </a:prstGeom>
-          <a:solidFill>
-            <a:schemeClr val="bg1"/>
-          </a:solidFill>
-        </p:spPr>
-        <p:txBody>
-          <a:bodyPr wrap="square" rtlCol="0">
-            <a:spAutoFit/>
-          </a:bodyPr>
-          <a:lstStyle/>
-          <a:p>
-            <a:pPr algn="ctr"/>
-            <a:r>
-              <a:rPr lang="en-US" sz="800" dirty="0"/>
-              <a:t>Price</a:t>
-            </a:r>
-          </a:p>
-        </p:txBody>
-      </p:sp>
-      <p:sp>
-        <p:nvSpPr>
-          <p:cNvPr id="27" name="TextBox 26"/>
-          <p:cNvSpPr txBox="1"/>
-          <p:nvPr/>
-        </p:nvSpPr>
-        <p:spPr>
-          <a:xfrm rot="16200000">
-            <a:off x="6818310" y="5737329"/>
-            <a:ext cx="463296" cy="215444"/>
-          </a:xfrm>
-          <a:prstGeom prst="rect">
-            <a:avLst/>
-          </a:prstGeom>
-          <a:solidFill>
-            <a:schemeClr val="bg1"/>
-          </a:solidFill>
-        </p:spPr>
-        <p:txBody>
-          <a:bodyPr wrap="square" rtlCol="0">
-            <a:spAutoFit/>
-          </a:bodyPr>
-          <a:lstStyle/>
-          <a:p>
-            <a:pPr algn="ctr"/>
-            <a:r>
-              <a:rPr lang="en-US" sz="800" dirty="0"/>
-              <a:t>Price</a:t>
-            </a:r>
-          </a:p>
-        </p:txBody>
-      </p:sp>
-      <p:sp>
-        <p:nvSpPr>
-          <p:cNvPr id="28" name="TextBox 27"/>
-          <p:cNvSpPr txBox="1"/>
-          <p:nvPr/>
-        </p:nvSpPr>
-        <p:spPr>
-          <a:xfrm rot="16200000">
-            <a:off x="3617442" y="3872968"/>
-            <a:ext cx="463296" cy="215444"/>
-          </a:xfrm>
-          <a:prstGeom prst="rect">
-            <a:avLst/>
-          </a:prstGeom>
-          <a:solidFill>
-            <a:schemeClr val="bg1"/>
-          </a:solidFill>
-        </p:spPr>
-        <p:txBody>
-          <a:bodyPr wrap="square" rtlCol="0">
-            <a:spAutoFit/>
-          </a:bodyPr>
-          <a:lstStyle/>
-          <a:p>
-            <a:pPr algn="ctr"/>
-            <a:r>
-              <a:rPr lang="en-US" sz="800" dirty="0"/>
-              <a:t>Price</a:t>
-            </a:r>
-          </a:p>
-        </p:txBody>
-      </p:sp>
-      <p:sp>
-        <p:nvSpPr>
-          <p:cNvPr id="29" name="TextBox 28"/>
-          <p:cNvSpPr txBox="1"/>
-          <p:nvPr/>
-        </p:nvSpPr>
-        <p:spPr>
-          <a:xfrm rot="16200000">
-            <a:off x="3623538" y="5683480"/>
-            <a:ext cx="463296" cy="215444"/>
-          </a:xfrm>
-          <a:prstGeom prst="rect">
-            <a:avLst/>
-          </a:prstGeom>
-          <a:solidFill>
-            <a:schemeClr val="bg1"/>
-          </a:solidFill>
-        </p:spPr>
-        <p:txBody>
-          <a:bodyPr wrap="square" rtlCol="0">
-            <a:spAutoFit/>
-          </a:bodyPr>
-          <a:lstStyle/>
-          <a:p>
-            <a:pPr algn="ctr"/>
-            <a:r>
-              <a:rPr lang="en-US" sz="800" dirty="0"/>
-              <a:t>Price</a:t>
-            </a:r>
-          </a:p>
-        </p:txBody>
-      </p:sp>
-      <p:sp>
-        <p:nvSpPr>
-          <p:cNvPr id="30" name="TextBox 29"/>
-          <p:cNvSpPr txBox="1"/>
-          <p:nvPr/>
-        </p:nvSpPr>
-        <p:spPr>
-          <a:xfrm rot="16200000">
-            <a:off x="618210" y="5738344"/>
-            <a:ext cx="463296" cy="215444"/>
-          </a:xfrm>
-          <a:prstGeom prst="rect">
-            <a:avLst/>
-          </a:prstGeom>
-          <a:solidFill>
-            <a:schemeClr val="bg1"/>
-          </a:solidFill>
-        </p:spPr>
-        <p:txBody>
-          <a:bodyPr wrap="square" rtlCol="0">
-            <a:spAutoFit/>
-          </a:bodyPr>
-          <a:lstStyle/>
-          <a:p>
-            <a:pPr algn="ctr"/>
-            <a:r>
-              <a:rPr lang="en-US" sz="800" dirty="0"/>
-              <a:t>Price</a:t>
-            </a:r>
-          </a:p>
-        </p:txBody>
-      </p:sp>
-      <p:sp>
-        <p:nvSpPr>
-          <p:cNvPr id="31" name="TextBox 30"/>
-          <p:cNvSpPr txBox="1"/>
-          <p:nvPr/>
-        </p:nvSpPr>
-        <p:spPr>
-          <a:xfrm rot="16200000">
-            <a:off x="599922" y="4013176"/>
-            <a:ext cx="463296" cy="215444"/>
-          </a:xfrm>
-          <a:prstGeom prst="rect">
-            <a:avLst/>
-          </a:prstGeom>
-          <a:solidFill>
-            <a:schemeClr val="bg1"/>
-          </a:solidFill>
-        </p:spPr>
-        <p:txBody>
-          <a:bodyPr wrap="square" rtlCol="0">
-            <a:spAutoFit/>
-          </a:bodyPr>
-          <a:lstStyle/>
-          <a:p>
-            <a:pPr algn="ctr"/>
-            <a:r>
-              <a:rPr lang="en-US" sz="800" dirty="0"/>
-              <a:t>Price</a:t>
-            </a:r>
-          </a:p>
-        </p:txBody>
-      </p:sp>
     </p:spTree>
     <p:extLst>
       <p:ext uri="{BB962C8B-B14F-4D97-AF65-F5344CB8AC3E}">
-        <p14:creationId xmlns:p14="http://schemas.microsoft.com/office/powerpoint/2010/main" val="353440295"/>
+        <p14:creationId xmlns:p14="http://schemas.microsoft.com/office/powerpoint/2010/main" val="451060315"/>
       </p:ext>
     </p:extLst>
   </p:cSld>
